--- a/よこありくんのプレゼンa.pptx
+++ b/よこありくんのプレゼンa.pptx
@@ -5,18 +5,17 @@
     <p:sldMasterId id="2147483648" r:id="rId1"/>
   </p:sldMasterIdLst>
   <p:notesMasterIdLst>
-    <p:notesMasterId r:id="rId11"/>
+    <p:notesMasterId r:id="rId10"/>
   </p:notesMasterIdLst>
   <p:sldIdLst>
     <p:sldId id="256" r:id="rId2"/>
-    <p:sldId id="263" r:id="rId3"/>
-    <p:sldId id="257" r:id="rId4"/>
-    <p:sldId id="264" r:id="rId5"/>
-    <p:sldId id="258" r:id="rId6"/>
-    <p:sldId id="259" r:id="rId7"/>
-    <p:sldId id="265" r:id="rId8"/>
-    <p:sldId id="266" r:id="rId9"/>
-    <p:sldId id="262" r:id="rId10"/>
+    <p:sldId id="257" r:id="rId3"/>
+    <p:sldId id="264" r:id="rId4"/>
+    <p:sldId id="259" r:id="rId5"/>
+    <p:sldId id="267" r:id="rId6"/>
+    <p:sldId id="265" r:id="rId7"/>
+    <p:sldId id="266" r:id="rId8"/>
+    <p:sldId id="262" r:id="rId9"/>
   </p:sldIdLst>
   <p:sldSz cx="12192000" cy="6858000"/>
   <p:notesSz cx="6858000" cy="9144000"/>
@@ -205,7 +204,7 @@
           <a:p>
             <a:fld id="{4D49600F-AD24-4A14-B8B4-A2823C4A548D}" type="datetimeFigureOut">
               <a:rPr kumimoji="1" lang="ja-JP" altLang="en-US" smtClean="0"/>
-              <a:t>2017/1/30</a:t>
+              <a:t>2017/1/31</a:t>
             </a:fld>
             <a:endParaRPr kumimoji="1" lang="ja-JP" altLang="en-US"/>
           </a:p>
@@ -582,7 +581,7 @@
           <a:p>
             <a:fld id="{1939215B-7B04-4A9E-9AC2-62A29D898257}" type="slidenum">
               <a:rPr kumimoji="1" lang="ja-JP" altLang="en-US" smtClean="0"/>
-              <a:t>3</a:t>
+              <a:t>2</a:t>
             </a:fld>
             <a:endParaRPr kumimoji="1" lang="ja-JP" altLang="en-US"/>
           </a:p>
@@ -664,15 +663,11 @@
             </a:pPr>
             <a:r>
               <a:rPr kumimoji="1" lang="ja-JP" altLang="en-US" dirty="0" smtClean="0"/>
-              <a:t>ウォーリーを</a:t>
-            </a:r>
-            <a:r>
-              <a:rPr kumimoji="1" lang="ja-JP" altLang="en-US" dirty="0" err="1" smtClean="0"/>
-              <a:t>探せのような</a:t>
+              <a:t>では</a:t>
             </a:r>
             <a:r>
               <a:rPr kumimoji="1" lang="ja-JP" altLang="en-US" dirty="0" smtClean="0"/>
-              <a:t>作品は年代を問わないので親子や友人と楽しめます。では、実際のゲーム画面はこのようになっております。</a:t>
+              <a:t>、実際のゲーム画面はこのようになっております。</a:t>
             </a:r>
           </a:p>
         </p:txBody>
@@ -694,7 +689,7 @@
           <a:p>
             <a:fld id="{1939215B-7B04-4A9E-9AC2-62A29D898257}" type="slidenum">
               <a:rPr kumimoji="1" lang="ja-JP" altLang="en-US" smtClean="0"/>
-              <a:t>4</a:t>
+              <a:t>3</a:t>
             </a:fld>
             <a:endParaRPr kumimoji="1" lang="ja-JP" altLang="en-US"/>
           </a:p>
@@ -759,9 +754,21 @@
           <a:p>
             <a:r>
               <a:rPr kumimoji="1" lang="ja-JP" altLang="en-US" dirty="0" smtClean="0"/>
-              <a:t>今回は妖怪ウォッチがイベントを行うということで、親子連れをメインに友達と一緒に来ている、小学生以上の方をターゲットとしています。親子連れには協力プレイでヨコアリくんを探してもらったり、友達連れにはその友達と競ってもらいたいと思いこのターゲットにしました。</a:t>
-            </a:r>
-            <a:endParaRPr kumimoji="1" lang="ja-JP" altLang="en-US" dirty="0"/>
+              <a:t>子供でもすぐに遊べるゲームで複雑な操作なくマウスの移動とクリックのみの操作となり、</a:t>
+            </a:r>
+          </a:p>
+          <a:p>
+            <a:r>
+              <a:rPr kumimoji="1" lang="ja-JP" altLang="en-US" dirty="0" smtClean="0"/>
+              <a:t>親子や友達と一緒に楽しめる、難易度設計、</a:t>
+            </a:r>
+            <a:endParaRPr kumimoji="1" lang="en-US" altLang="ja-JP" dirty="0" smtClean="0"/>
+          </a:p>
+          <a:p>
+            <a:r>
+              <a:rPr kumimoji="1" lang="ja-JP" altLang="en-US" dirty="0" smtClean="0"/>
+              <a:t>子供でも文字が読めるように漢字を使用していません。</a:t>
+            </a:r>
           </a:p>
         </p:txBody>
       </p:sp>
@@ -782,7 +789,7 @@
           <a:p>
             <a:fld id="{1939215B-7B04-4A9E-9AC2-62A29D898257}" type="slidenum">
               <a:rPr kumimoji="1" lang="ja-JP" altLang="en-US" smtClean="0"/>
-              <a:t>5</a:t>
+              <a:t>4</a:t>
             </a:fld>
             <a:endParaRPr kumimoji="1" lang="ja-JP" altLang="en-US"/>
           </a:p>
@@ -791,7 +798,7 @@
     </p:spTree>
     <p:extLst>
       <p:ext uri="{BB962C8B-B14F-4D97-AF65-F5344CB8AC3E}">
-        <p14:creationId xmlns:p14="http://schemas.microsoft.com/office/powerpoint/2010/main" val="1543167974"/>
+        <p14:creationId xmlns:p14="http://schemas.microsoft.com/office/powerpoint/2010/main" val="310784012"/>
       </p:ext>
     </p:extLst>
   </p:cSld>
@@ -847,20 +854,11 @@
           <a:p>
             <a:r>
               <a:rPr kumimoji="1" lang="ja-JP" altLang="en-US" dirty="0" smtClean="0"/>
-              <a:t>子供でもすぐに遊べるゲームで複雑な操作なくマウスの移動とクリックのみの操作となり、</a:t>
-            </a:r>
-          </a:p>
-          <a:p>
+              <a:t>子供</a:t>
+            </a:r>
             <a:r>
               <a:rPr kumimoji="1" lang="ja-JP" altLang="en-US" dirty="0" smtClean="0"/>
-              <a:t>親子や友達と一緒に楽しめる、難易度設計、</a:t>
-            </a:r>
-            <a:endParaRPr kumimoji="1" lang="en-US" altLang="ja-JP" dirty="0" smtClean="0"/>
-          </a:p>
-          <a:p>
-            <a:r>
-              <a:rPr kumimoji="1" lang="ja-JP" altLang="en-US" dirty="0" smtClean="0"/>
-              <a:t>子供でも文字が読めるように漢字を使用していません。</a:t>
+              <a:t>でも文字が読めるように漢字を使用していません。</a:t>
             </a:r>
           </a:p>
         </p:txBody>
@@ -882,7 +880,7 @@
           <a:p>
             <a:fld id="{1939215B-7B04-4A9E-9AC2-62A29D898257}" type="slidenum">
               <a:rPr kumimoji="1" lang="ja-JP" altLang="en-US" smtClean="0"/>
-              <a:t>6</a:t>
+              <a:t>5</a:t>
             </a:fld>
             <a:endParaRPr kumimoji="1" lang="ja-JP" altLang="en-US"/>
           </a:p>
@@ -891,7 +889,7 @@
     </p:spTree>
     <p:extLst>
       <p:ext uri="{BB962C8B-B14F-4D97-AF65-F5344CB8AC3E}">
-        <p14:creationId xmlns:p14="http://schemas.microsoft.com/office/powerpoint/2010/main" val="310784012"/>
+        <p14:creationId xmlns:p14="http://schemas.microsoft.com/office/powerpoint/2010/main" val="2358390221"/>
       </p:ext>
     </p:extLst>
   </p:cSld>
@@ -970,7 +968,7 @@
           <a:p>
             <a:fld id="{1939215B-7B04-4A9E-9AC2-62A29D898257}" type="slidenum">
               <a:rPr kumimoji="1" lang="ja-JP" altLang="en-US" smtClean="0"/>
-              <a:t>7</a:t>
+              <a:t>6</a:t>
             </a:fld>
             <a:endParaRPr kumimoji="1" lang="ja-JP" altLang="en-US"/>
           </a:p>
@@ -1080,7 +1078,7 @@
           <a:p>
             <a:fld id="{1939215B-7B04-4A9E-9AC2-62A29D898257}" type="slidenum">
               <a:rPr kumimoji="1" lang="ja-JP" altLang="en-US" smtClean="0"/>
-              <a:t>8</a:t>
+              <a:t>7</a:t>
             </a:fld>
             <a:endParaRPr kumimoji="1" lang="ja-JP" altLang="en-US"/>
           </a:p>
@@ -1230,7 +1228,7 @@
           <a:p>
             <a:fld id="{470514F9-9BBD-47E7-9368-C995E0238237}" type="datetimeFigureOut">
               <a:rPr kumimoji="1" lang="ja-JP" altLang="en-US" smtClean="0"/>
-              <a:t>2017/1/30</a:t>
+              <a:t>2017/1/31</a:t>
             </a:fld>
             <a:endParaRPr kumimoji="1" lang="ja-JP" altLang="en-US"/>
           </a:p>
@@ -1432,7 +1430,7 @@
           <a:p>
             <a:fld id="{470514F9-9BBD-47E7-9368-C995E0238237}" type="datetimeFigureOut">
               <a:rPr kumimoji="1" lang="ja-JP" altLang="en-US" smtClean="0"/>
-              <a:t>2017/1/30</a:t>
+              <a:t>2017/1/31</a:t>
             </a:fld>
             <a:endParaRPr kumimoji="1" lang="ja-JP" altLang="en-US"/>
           </a:p>
@@ -1644,7 +1642,7 @@
           <a:p>
             <a:fld id="{470514F9-9BBD-47E7-9368-C995E0238237}" type="datetimeFigureOut">
               <a:rPr kumimoji="1" lang="ja-JP" altLang="en-US" smtClean="0"/>
-              <a:t>2017/1/30</a:t>
+              <a:t>2017/1/31</a:t>
             </a:fld>
             <a:endParaRPr kumimoji="1" lang="ja-JP" altLang="en-US"/>
           </a:p>
@@ -1823,7 +1821,7 @@
           <a:p>
             <a:fld id="{470514F9-9BBD-47E7-9368-C995E0238237}" type="datetimeFigureOut">
               <a:rPr kumimoji="1" lang="ja-JP" altLang="en-US" smtClean="0"/>
-              <a:t>2017/1/30</a:t>
+              <a:t>2017/1/31</a:t>
             </a:fld>
             <a:endParaRPr kumimoji="1" lang="ja-JP" altLang="en-US"/>
           </a:p>
@@ -2152,7 +2150,7 @@
           <a:p>
             <a:fld id="{470514F9-9BBD-47E7-9368-C995E0238237}" type="datetimeFigureOut">
               <a:rPr kumimoji="1" lang="ja-JP" altLang="en-US" smtClean="0"/>
-              <a:t>2017/1/30</a:t>
+              <a:t>2017/1/31</a:t>
             </a:fld>
             <a:endParaRPr kumimoji="1" lang="ja-JP" altLang="en-US"/>
           </a:p>
@@ -2448,7 +2446,7 @@
           <a:p>
             <a:fld id="{470514F9-9BBD-47E7-9368-C995E0238237}" type="datetimeFigureOut">
               <a:rPr kumimoji="1" lang="ja-JP" altLang="en-US" smtClean="0"/>
-              <a:t>2017/1/30</a:t>
+              <a:t>2017/1/31</a:t>
             </a:fld>
             <a:endParaRPr kumimoji="1" lang="ja-JP" altLang="en-US"/>
           </a:p>
@@ -2879,7 +2877,7 @@
           <a:p>
             <a:fld id="{470514F9-9BBD-47E7-9368-C995E0238237}" type="datetimeFigureOut">
               <a:rPr kumimoji="1" lang="ja-JP" altLang="en-US" smtClean="0"/>
-              <a:t>2017/1/30</a:t>
+              <a:t>2017/1/31</a:t>
             </a:fld>
             <a:endParaRPr kumimoji="1" lang="ja-JP" altLang="en-US"/>
           </a:p>
@@ -2997,7 +2995,7 @@
           <a:p>
             <a:fld id="{470514F9-9BBD-47E7-9368-C995E0238237}" type="datetimeFigureOut">
               <a:rPr kumimoji="1" lang="ja-JP" altLang="en-US" smtClean="0"/>
-              <a:t>2017/1/30</a:t>
+              <a:t>2017/1/31</a:t>
             </a:fld>
             <a:endParaRPr kumimoji="1" lang="ja-JP" altLang="en-US"/>
           </a:p>
@@ -3092,7 +3090,7 @@
           <a:p>
             <a:fld id="{470514F9-9BBD-47E7-9368-C995E0238237}" type="datetimeFigureOut">
               <a:rPr kumimoji="1" lang="ja-JP" altLang="en-US" smtClean="0"/>
-              <a:t>2017/1/30</a:t>
+              <a:t>2017/1/31</a:t>
             </a:fld>
             <a:endParaRPr kumimoji="1" lang="ja-JP" altLang="en-US"/>
           </a:p>
@@ -3401,7 +3399,7 @@
           <a:p>
             <a:fld id="{470514F9-9BBD-47E7-9368-C995E0238237}" type="datetimeFigureOut">
               <a:rPr kumimoji="1" lang="ja-JP" altLang="en-US" smtClean="0"/>
-              <a:t>2017/1/30</a:t>
+              <a:t>2017/1/31</a:t>
             </a:fld>
             <a:endParaRPr kumimoji="1" lang="ja-JP" altLang="en-US"/>
           </a:p>
@@ -3654,7 +3652,7 @@
           <a:p>
             <a:fld id="{470514F9-9BBD-47E7-9368-C995E0238237}" type="datetimeFigureOut">
               <a:rPr kumimoji="1" lang="ja-JP" altLang="en-US" smtClean="0"/>
-              <a:t>2017/1/30</a:t>
+              <a:t>2017/1/31</a:t>
             </a:fld>
             <a:endParaRPr kumimoji="1" lang="ja-JP" altLang="en-US"/>
           </a:p>
@@ -3899,7 +3897,7 @@
           <a:p>
             <a:fld id="{470514F9-9BBD-47E7-9368-C995E0238237}" type="datetimeFigureOut">
               <a:rPr kumimoji="1" lang="ja-JP" altLang="en-US" smtClean="0"/>
-              <a:t>2017/1/30</a:t>
+              <a:t>2017/1/31</a:t>
             </a:fld>
             <a:endParaRPr kumimoji="1" lang="ja-JP" altLang="en-US"/>
           </a:p>
@@ -4432,7 +4430,7 @@
         </p:nvSpPr>
         <p:spPr>
           <a:xfrm>
-            <a:off x="4385803" y="4025859"/>
+            <a:off x="4672882" y="4057376"/>
             <a:ext cx="3164793" cy="830997"/>
           </a:xfrm>
           <a:prstGeom prst="rect">
@@ -4542,135 +4540,6 @@
         </p:nvSpPr>
         <p:spPr>
           <a:xfrm>
-            <a:off x="104333" y="369833"/>
-            <a:ext cx="11843157" cy="6203496"/>
-          </a:xfrm>
-          <a:prstGeom prst="rect">
-            <a:avLst/>
-          </a:prstGeom>
-          <a:solidFill>
-            <a:schemeClr val="lt1">
-              <a:alpha val="70000"/>
-            </a:schemeClr>
-          </a:solidFill>
-          <a:ln>
-            <a:solidFill>
-              <a:schemeClr val="bg1"/>
-            </a:solidFill>
-          </a:ln>
-          <a:effectLst>
-            <a:softEdge rad="635000"/>
-          </a:effectLst>
-        </p:spPr>
-        <p:style>
-          <a:lnRef idx="2">
-            <a:schemeClr val="accent1"/>
-          </a:lnRef>
-          <a:fillRef idx="1">
-            <a:schemeClr val="lt1"/>
-          </a:fillRef>
-          <a:effectRef idx="0">
-            <a:schemeClr val="accent1"/>
-          </a:effectRef>
-          <a:fontRef idx="minor">
-            <a:schemeClr val="dk1"/>
-          </a:fontRef>
-        </p:style>
-        <p:txBody>
-          <a:bodyPr rtlCol="0" anchor="ctr"/>
-          <a:lstStyle/>
-          <a:p>
-            <a:pPr algn="ctr"/>
-            <a:endParaRPr kumimoji="1" lang="ja-JP" altLang="en-US"/>
-          </a:p>
-        </p:txBody>
-      </p:sp>
-      <p:sp>
-        <p:nvSpPr>
-          <p:cNvPr id="5" name="タイトル 2"/>
-          <p:cNvSpPr>
-            <a:spLocks noGrp="1"/>
-          </p:cNvSpPr>
-          <p:nvPr>
-            <p:ph type="title"/>
-          </p:nvPr>
-        </p:nvSpPr>
-        <p:spPr>
-          <a:xfrm>
-            <a:off x="1431890" y="1094053"/>
-            <a:ext cx="10515600" cy="1325563"/>
-          </a:xfrm>
-        </p:spPr>
-        <p:txBody>
-          <a:bodyPr/>
-          <a:lstStyle/>
-          <a:p>
-            <a:r>
-              <a:rPr lang="ja-JP" altLang="en-US" b="1" dirty="0" smtClean="0">
-                <a:latin typeface="HGS創英角ﾎﾟｯﾌﾟ体" panose="040B0A00000000000000" pitchFamily="50" charset="-128"/>
-                <a:ea typeface="HGS創英角ﾎﾟｯﾌﾟ体" panose="040B0A00000000000000" pitchFamily="50" charset="-128"/>
-              </a:rPr>
-              <a:t>もく</a:t>
-            </a:r>
-            <a:r>
-              <a:rPr lang="ja-JP" altLang="en-US" b="1" dirty="0">
-                <a:latin typeface="HGS創英角ﾎﾟｯﾌﾟ体" panose="040B0A00000000000000" pitchFamily="50" charset="-128"/>
-                <a:ea typeface="HGS創英角ﾎﾟｯﾌﾟ体" panose="040B0A00000000000000" pitchFamily="50" charset="-128"/>
-              </a:rPr>
-              <a:t>じ</a:t>
-            </a:r>
-            <a:endParaRPr kumimoji="1" lang="ja-JP" altLang="en-US" b="1" dirty="0">
-              <a:latin typeface="HGS創英角ﾎﾟｯﾌﾟ体" panose="040B0A00000000000000" pitchFamily="50" charset="-128"/>
-              <a:ea typeface="HGS創英角ﾎﾟｯﾌﾟ体" panose="040B0A00000000000000" pitchFamily="50" charset="-128"/>
-            </a:endParaRPr>
-          </a:p>
-        </p:txBody>
-      </p:sp>
-    </p:spTree>
-    <p:extLst>
-      <p:ext uri="{BB962C8B-B14F-4D97-AF65-F5344CB8AC3E}">
-        <p14:creationId xmlns:p14="http://schemas.microsoft.com/office/powerpoint/2010/main" val="1089040117"/>
-      </p:ext>
-    </p:extLst>
-  </p:cSld>
-  <p:clrMapOvr>
-    <a:masterClrMapping/>
-  </p:clrMapOvr>
-  <p:timing>
-    <p:tnLst>
-      <p:par>
-        <p:cTn id="1" dur="indefinite" restart="never" nodeType="tmRoot"/>
-      </p:par>
-    </p:tnLst>
-  </p:timing>
-</p:sld>
-</file>
-
-<file path=ppt/slides/slide3.xml><?xml version="1.0" encoding="utf-8"?>
-<p:sld xmlns:a="http://schemas.openxmlformats.org/drawingml/2006/main" xmlns:r="http://schemas.openxmlformats.org/officeDocument/2006/relationships" xmlns:p="http://schemas.openxmlformats.org/presentationml/2006/main">
-  <p:cSld>
-    <p:spTree>
-      <p:nvGrpSpPr>
-        <p:cNvPr id="1" name=""/>
-        <p:cNvGrpSpPr/>
-        <p:nvPr/>
-      </p:nvGrpSpPr>
-      <p:grpSpPr>
-        <a:xfrm>
-          <a:off x="0" y="0"/>
-          <a:ext cx="0" cy="0"/>
-          <a:chOff x="0" y="0"/>
-          <a:chExt cx="0" cy="0"/>
-        </a:xfrm>
-      </p:grpSpPr>
-      <p:sp>
-        <p:nvSpPr>
-          <p:cNvPr id="4" name="正方形/長方形 3"/>
-          <p:cNvSpPr/>
-          <p:nvPr/>
-        </p:nvSpPr>
-        <p:spPr>
-          <a:xfrm>
             <a:off x="223284" y="397092"/>
             <a:ext cx="11843157" cy="6203496"/>
           </a:xfrm>
@@ -4739,7 +4608,14 @@
                 <a:latin typeface="HGS創英角ﾎﾟｯﾌﾟ体" panose="040B0A00000000000000" pitchFamily="50" charset="-128"/>
                 <a:ea typeface="HGS創英角ﾎﾟｯﾌﾟ体" panose="040B0A00000000000000" pitchFamily="50" charset="-128"/>
               </a:rPr>
-              <a:t>ゲーム紹介</a:t>
+              <a:t>ゲーム</a:t>
+            </a:r>
+            <a:r>
+              <a:rPr lang="ja-JP" altLang="en-US" b="1" dirty="0">
+                <a:latin typeface="HGS創英角ﾎﾟｯﾌﾟ体" panose="040B0A00000000000000" pitchFamily="50" charset="-128"/>
+                <a:ea typeface="HGS創英角ﾎﾟｯﾌﾟ体" panose="040B0A00000000000000" pitchFamily="50" charset="-128"/>
+              </a:rPr>
+              <a:t>紹介</a:t>
             </a:r>
             <a:endParaRPr kumimoji="1" lang="ja-JP" altLang="en-US" b="1" dirty="0">
               <a:latin typeface="HGS創英角ﾎﾟｯﾌﾟ体" panose="040B0A00000000000000" pitchFamily="50" charset="-128"/>
@@ -4827,7 +4703,7 @@
       </p:sp>
       <p:pic>
         <p:nvPicPr>
-          <p:cNvPr id="8" name="図 7"/>
+          <p:cNvPr id="7" name="図 6"/>
           <p:cNvPicPr>
             <a:picLocks noChangeAspect="1"/>
           </p:cNvPicPr>
@@ -4847,8 +4723,8 @@
         </p:blipFill>
         <p:spPr>
           <a:xfrm>
-            <a:off x="5496423" y="3322968"/>
-            <a:ext cx="3201544" cy="1786988"/>
+            <a:off x="7102462" y="3611378"/>
+            <a:ext cx="2889283" cy="1797448"/>
           </a:xfrm>
           <a:prstGeom prst="rect">
             <a:avLst/>
@@ -4857,34 +4733,104 @@
       </p:pic>
       <p:pic>
         <p:nvPicPr>
-          <p:cNvPr id="7" name="図 6"/>
+          <p:cNvPr id="5" name="図 4"/>
           <p:cNvPicPr>
             <a:picLocks noChangeAspect="1"/>
           </p:cNvPicPr>
           <p:nvPr/>
         </p:nvPicPr>
-        <p:blipFill>
-          <a:blip r:embed="rId4" cstate="print">
+        <p:blipFill rotWithShape="1">
+          <a:blip r:embed="rId4">
             <a:extLst>
               <a:ext uri="{28A0092B-C50C-407E-A947-70E740481C1C}">
                 <a14:useLocalDpi xmlns:a14="http://schemas.microsoft.com/office/drawing/2010/main" val="0"/>
               </a:ext>
             </a:extLst>
           </a:blip>
-          <a:stretch>
-            <a:fillRect/>
-          </a:stretch>
+          <a:srcRect t="8672"/>
+          <a:stretch/>
         </p:blipFill>
         <p:spPr>
           <a:xfrm>
-            <a:off x="7836439" y="4039874"/>
-            <a:ext cx="3201544" cy="1797448"/>
+            <a:off x="2257435" y="3611378"/>
+            <a:ext cx="2810877" cy="1678197"/>
           </a:xfrm>
           <a:prstGeom prst="rect">
             <a:avLst/>
           </a:prstGeom>
+          <a:solidFill>
+            <a:srgbClr val="FFFFFF">
+              <a:shade val="85000"/>
+            </a:srgbClr>
+          </a:solidFill>
+          <a:ln w="98425" cap="rnd">
+            <a:solidFill>
+              <a:srgbClr val="FFFFFF"/>
+            </a:solidFill>
+          </a:ln>
+          <a:effectLst/>
+          <a:scene3d>
+            <a:camera prst="orthographicFront"/>
+            <a:lightRig rig="twoPt" dir="t">
+              <a:rot lat="0" lon="0" rev="7800000"/>
+            </a:lightRig>
+          </a:scene3d>
+          <a:sp3d contourW="6350">
+            <a:bevelT w="50800" h="16510"/>
+            <a:contourClr>
+              <a:srgbClr val="C0C0C0"/>
+            </a:contourClr>
+          </a:sp3d>
         </p:spPr>
       </p:pic>
+      <p:sp>
+        <p:nvSpPr>
+          <p:cNvPr id="13" name="右矢印 12"/>
+          <p:cNvSpPr/>
+          <p:nvPr/>
+        </p:nvSpPr>
+        <p:spPr>
+          <a:xfrm>
+            <a:off x="5466735" y="4029739"/>
+            <a:ext cx="1210512" cy="967811"/>
+          </a:xfrm>
+          <a:prstGeom prst="rightArrow">
+            <a:avLst/>
+          </a:prstGeom>
+          <a:solidFill>
+            <a:srgbClr val="FF0000"/>
+          </a:solidFill>
+          <a:ln>
+            <a:solidFill>
+              <a:srgbClr val="FF0000"/>
+            </a:solidFill>
+          </a:ln>
+        </p:spPr>
+        <p:style>
+          <a:lnRef idx="2">
+            <a:schemeClr val="accent1">
+              <a:shade val="50000"/>
+            </a:schemeClr>
+          </a:lnRef>
+          <a:fillRef idx="1">
+            <a:schemeClr val="accent1"/>
+          </a:fillRef>
+          <a:effectRef idx="0">
+            <a:schemeClr val="accent1"/>
+          </a:effectRef>
+          <a:fontRef idx="minor">
+            <a:schemeClr val="lt1"/>
+          </a:fontRef>
+        </p:style>
+        <p:txBody>
+          <a:bodyPr rtlCol="0" anchor="ctr"/>
+          <a:lstStyle/>
+          <a:p>
+            <a:pPr algn="ctr"/>
+            <a:endParaRPr kumimoji="1" lang="ja-JP" altLang="en-US"/>
+          </a:p>
+        </p:txBody>
+      </p:sp>
     </p:spTree>
     <p:extLst>
       <p:ext uri="{BB962C8B-B14F-4D97-AF65-F5344CB8AC3E}">
@@ -4905,7 +4851,7 @@
 </p:sld>
 </file>
 
-<file path=ppt/slides/slide4.xml><?xml version="1.0" encoding="utf-8"?>
+<file path=ppt/slides/slide3.xml><?xml version="1.0" encoding="utf-8"?>
 <p:sld xmlns:a="http://schemas.openxmlformats.org/drawingml/2006/main" xmlns:r="http://schemas.openxmlformats.org/officeDocument/2006/relationships" xmlns:p="http://schemas.openxmlformats.org/presentationml/2006/main">
   <p:cSld>
     <p:spTree>
@@ -4985,7 +4931,7 @@
         </p:nvSpPr>
         <p:spPr>
           <a:xfrm>
-            <a:off x="673354" y="545638"/>
+            <a:off x="1151819" y="747657"/>
             <a:ext cx="10515600" cy="1325563"/>
           </a:xfrm>
         </p:spPr>
@@ -5034,280 +4980,7 @@
 </p:sld>
 </file>
 
-<file path=ppt/slides/slide5.xml><?xml version="1.0" encoding="utf-8"?>
-<p:sld xmlns:a="http://schemas.openxmlformats.org/drawingml/2006/main" xmlns:r="http://schemas.openxmlformats.org/officeDocument/2006/relationships" xmlns:p="http://schemas.openxmlformats.org/presentationml/2006/main">
-  <p:cSld>
-    <p:spTree>
-      <p:nvGrpSpPr>
-        <p:cNvPr id="1" name=""/>
-        <p:cNvGrpSpPr/>
-        <p:nvPr/>
-      </p:nvGrpSpPr>
-      <p:grpSpPr>
-        <a:xfrm>
-          <a:off x="0" y="0"/>
-          <a:ext cx="0" cy="0"/>
-          <a:chOff x="0" y="0"/>
-          <a:chExt cx="0" cy="0"/>
-        </a:xfrm>
-      </p:grpSpPr>
-      <p:sp>
-        <p:nvSpPr>
-          <p:cNvPr id="4" name="正方形/長方形 3"/>
-          <p:cNvSpPr/>
-          <p:nvPr/>
-        </p:nvSpPr>
-        <p:spPr>
-          <a:xfrm>
-            <a:off x="204020" y="279727"/>
-            <a:ext cx="11843157" cy="6203496"/>
-          </a:xfrm>
-          <a:prstGeom prst="rect">
-            <a:avLst/>
-          </a:prstGeom>
-          <a:solidFill>
-            <a:schemeClr val="lt1">
-              <a:alpha val="70000"/>
-            </a:schemeClr>
-          </a:solidFill>
-          <a:ln>
-            <a:solidFill>
-              <a:schemeClr val="bg1"/>
-            </a:solidFill>
-          </a:ln>
-          <a:effectLst>
-            <a:softEdge rad="635000"/>
-          </a:effectLst>
-        </p:spPr>
-        <p:style>
-          <a:lnRef idx="2">
-            <a:schemeClr val="accent1"/>
-          </a:lnRef>
-          <a:fillRef idx="1">
-            <a:schemeClr val="lt1"/>
-          </a:fillRef>
-          <a:effectRef idx="0">
-            <a:schemeClr val="accent1"/>
-          </a:effectRef>
-          <a:fontRef idx="minor">
-            <a:schemeClr val="dk1"/>
-          </a:fontRef>
-        </p:style>
-        <p:txBody>
-          <a:bodyPr rtlCol="0" anchor="ctr"/>
-          <a:lstStyle/>
-          <a:p>
-            <a:pPr algn="ctr"/>
-            <a:endParaRPr kumimoji="1" lang="ja-JP" altLang="en-US"/>
-          </a:p>
-        </p:txBody>
-      </p:sp>
-      <p:sp>
-        <p:nvSpPr>
-          <p:cNvPr id="3" name="タイトル 2"/>
-          <p:cNvSpPr>
-            <a:spLocks noGrp="1"/>
-          </p:cNvSpPr>
-          <p:nvPr>
-            <p:ph type="title"/>
-          </p:nvPr>
-        </p:nvSpPr>
-        <p:spPr>
-          <a:xfrm>
-            <a:off x="1330569" y="1219236"/>
-            <a:ext cx="10515600" cy="1325563"/>
-          </a:xfrm>
-        </p:spPr>
-        <p:txBody>
-          <a:bodyPr/>
-          <a:lstStyle/>
-          <a:p>
-            <a:r>
-              <a:rPr kumimoji="1" lang="ja-JP" altLang="en-US" b="1" dirty="0" smtClean="0">
-                <a:latin typeface="HGS創英角ﾎﾟｯﾌﾟ体" panose="040B0A00000000000000" pitchFamily="50" charset="-128"/>
-                <a:ea typeface="HGS創英角ﾎﾟｯﾌﾟ体" panose="040B0A00000000000000" pitchFamily="50" charset="-128"/>
-              </a:rPr>
-              <a:t>ターゲットユーザー</a:t>
-            </a:r>
-            <a:endParaRPr kumimoji="1" lang="ja-JP" altLang="en-US" b="1" dirty="0">
-              <a:latin typeface="HGS創英角ﾎﾟｯﾌﾟ体" panose="040B0A00000000000000" pitchFamily="50" charset="-128"/>
-              <a:ea typeface="HGS創英角ﾎﾟｯﾌﾟ体" panose="040B0A00000000000000" pitchFamily="50" charset="-128"/>
-            </a:endParaRPr>
-          </a:p>
-        </p:txBody>
-      </p:sp>
-      <p:sp>
-        <p:nvSpPr>
-          <p:cNvPr id="6" name="テキスト ボックス 5"/>
-          <p:cNvSpPr txBox="1"/>
-          <p:nvPr/>
-        </p:nvSpPr>
-        <p:spPr>
-          <a:xfrm>
-            <a:off x="1942766" y="2712143"/>
-            <a:ext cx="8869200" cy="646331"/>
-          </a:xfrm>
-          <a:prstGeom prst="rect">
-            <a:avLst/>
-          </a:prstGeom>
-          <a:noFill/>
-        </p:spPr>
-        <p:txBody>
-          <a:bodyPr wrap="square" rtlCol="0">
-            <a:spAutoFit/>
-          </a:bodyPr>
-          <a:lstStyle/>
-          <a:p>
-            <a:r>
-              <a:rPr lang="ja-JP" altLang="en-US" sz="3600" dirty="0" smtClean="0">
-                <a:latin typeface="HGS創英角ﾎﾟｯﾌﾟ体" panose="040B0A00000000000000" pitchFamily="50" charset="-128"/>
-                <a:ea typeface="HGS創英角ﾎﾟｯﾌﾟ体" panose="040B0A00000000000000" pitchFamily="50" charset="-128"/>
-              </a:rPr>
-              <a:t>妖怪ウォッチの好きな年齢層の子供たち</a:t>
-            </a:r>
-            <a:endParaRPr lang="en-US" altLang="ja-JP" sz="3600" dirty="0" smtClean="0">
-              <a:latin typeface="HGS創英角ﾎﾟｯﾌﾟ体" panose="040B0A00000000000000" pitchFamily="50" charset="-128"/>
-              <a:ea typeface="HGS創英角ﾎﾟｯﾌﾟ体" panose="040B0A00000000000000" pitchFamily="50" charset="-128"/>
-            </a:endParaRPr>
-          </a:p>
-        </p:txBody>
-      </p:sp>
-      <p:sp>
-        <p:nvSpPr>
-          <p:cNvPr id="2" name="右矢印 1"/>
-          <p:cNvSpPr/>
-          <p:nvPr/>
-        </p:nvSpPr>
-        <p:spPr>
-          <a:xfrm>
-            <a:off x="3787818" y="3902007"/>
-            <a:ext cx="401602" cy="410333"/>
-          </a:xfrm>
-          <a:prstGeom prst="rightArrow">
-            <a:avLst/>
-          </a:prstGeom>
-          <a:solidFill>
-            <a:srgbClr val="FF0000"/>
-          </a:solidFill>
-        </p:spPr>
-        <p:style>
-          <a:lnRef idx="2">
-            <a:schemeClr val="accent2">
-              <a:shade val="50000"/>
-            </a:schemeClr>
-          </a:lnRef>
-          <a:fillRef idx="1">
-            <a:schemeClr val="accent2"/>
-          </a:fillRef>
-          <a:effectRef idx="0">
-            <a:schemeClr val="accent2"/>
-          </a:effectRef>
-          <a:fontRef idx="minor">
-            <a:schemeClr val="lt1"/>
-          </a:fontRef>
-        </p:style>
-        <p:txBody>
-          <a:bodyPr rtlCol="0" anchor="ctr"/>
-          <a:lstStyle/>
-          <a:p>
-            <a:pPr algn="ctr"/>
-            <a:endParaRPr kumimoji="1" lang="ja-JP" altLang="en-US"/>
-          </a:p>
-        </p:txBody>
-      </p:sp>
-      <p:sp>
-        <p:nvSpPr>
-          <p:cNvPr id="7" name="テキスト ボックス 6"/>
-          <p:cNvSpPr txBox="1"/>
-          <p:nvPr/>
-        </p:nvSpPr>
-        <p:spPr>
-          <a:xfrm>
-            <a:off x="2427481" y="3845563"/>
-            <a:ext cx="1500991" cy="523220"/>
-          </a:xfrm>
-          <a:prstGeom prst="rect">
-            <a:avLst/>
-          </a:prstGeom>
-          <a:noFill/>
-        </p:spPr>
-        <p:txBody>
-          <a:bodyPr wrap="square" rtlCol="0">
-            <a:spAutoFit/>
-          </a:bodyPr>
-          <a:lstStyle/>
-          <a:p>
-            <a:r>
-              <a:rPr lang="ja-JP" altLang="en-US" sz="2800" dirty="0" smtClean="0">
-                <a:latin typeface="HGS創英角ﾎﾟｯﾌﾟ体" panose="040B0A00000000000000" pitchFamily="50" charset="-128"/>
-                <a:ea typeface="HGS創英角ﾎﾟｯﾌﾟ体" panose="040B0A00000000000000" pitchFamily="50" charset="-128"/>
-              </a:rPr>
-              <a:t>何故か</a:t>
-            </a:r>
-            <a:endParaRPr lang="en-US" altLang="ja-JP" sz="2800" dirty="0" smtClean="0">
-              <a:latin typeface="HGS創英角ﾎﾟｯﾌﾟ体" panose="040B0A00000000000000" pitchFamily="50" charset="-128"/>
-              <a:ea typeface="HGS創英角ﾎﾟｯﾌﾟ体" panose="040B0A00000000000000" pitchFamily="50" charset="-128"/>
-            </a:endParaRPr>
-          </a:p>
-        </p:txBody>
-      </p:sp>
-      <p:sp>
-        <p:nvSpPr>
-          <p:cNvPr id="8" name="テキスト ボックス 7"/>
-          <p:cNvSpPr txBox="1"/>
-          <p:nvPr/>
-        </p:nvSpPr>
-        <p:spPr>
-          <a:xfrm>
-            <a:off x="4327539" y="3845563"/>
-            <a:ext cx="8869200" cy="523220"/>
-          </a:xfrm>
-          <a:prstGeom prst="rect">
-            <a:avLst/>
-          </a:prstGeom>
-          <a:noFill/>
-        </p:spPr>
-        <p:txBody>
-          <a:bodyPr wrap="square" rtlCol="0">
-            <a:spAutoFit/>
-          </a:bodyPr>
-          <a:lstStyle/>
-          <a:p>
-            <a:r>
-              <a:rPr lang="ja-JP" altLang="en-US" sz="2800" dirty="0" smtClean="0">
-                <a:latin typeface="HGS創英角ﾎﾟｯﾌﾟ体" panose="040B0A00000000000000" pitchFamily="50" charset="-128"/>
-                <a:ea typeface="HGS創英角ﾎﾟｯﾌﾟ体" panose="040B0A00000000000000" pitchFamily="50" charset="-128"/>
-              </a:rPr>
-              <a:t>イベントが同時に開催されるため</a:t>
-            </a:r>
-            <a:endParaRPr lang="en-US" altLang="ja-JP" sz="2800" dirty="0" smtClean="0">
-              <a:latin typeface="HGS創英角ﾎﾟｯﾌﾟ体" panose="040B0A00000000000000" pitchFamily="50" charset="-128"/>
-              <a:ea typeface="HGS創英角ﾎﾟｯﾌﾟ体" panose="040B0A00000000000000" pitchFamily="50" charset="-128"/>
-            </a:endParaRPr>
-          </a:p>
-        </p:txBody>
-      </p:sp>
-    </p:spTree>
-    <p:extLst>
-      <p:ext uri="{BB962C8B-B14F-4D97-AF65-F5344CB8AC3E}">
-        <p14:creationId xmlns:p14="http://schemas.microsoft.com/office/powerpoint/2010/main" val="4178453848"/>
-      </p:ext>
-    </p:extLst>
-  </p:cSld>
-  <p:clrMapOvr>
-    <a:masterClrMapping/>
-  </p:clrMapOvr>
-  <p:timing>
-    <p:tnLst>
-      <p:par>
-        <p:cTn id="1" dur="indefinite" restart="never" nodeType="tmRoot"/>
-      </p:par>
-    </p:tnLst>
-  </p:timing>
-</p:sld>
-</file>
-
-<file path=ppt/slides/slide6.xml><?xml version="1.0" encoding="utf-8"?>
+<file path=ppt/slides/slide4.xml><?xml version="1.0" encoding="utf-8"?>
 <p:sld xmlns:a="http://schemas.openxmlformats.org/drawingml/2006/main" xmlns:r="http://schemas.openxmlformats.org/officeDocument/2006/relationships" xmlns:p="http://schemas.openxmlformats.org/presentationml/2006/main">
   <p:cSld>
     <p:spTree>
@@ -5387,7 +5060,7 @@
         </p:nvSpPr>
         <p:spPr>
           <a:xfrm>
-            <a:off x="1310472" y="1148898"/>
+            <a:off x="1512026" y="1019803"/>
             <a:ext cx="10515600" cy="1325563"/>
           </a:xfrm>
         </p:spPr>
@@ -5425,7 +5098,7 @@
         <p:spPr>
           <a:xfrm>
             <a:off x="1965981" y="2275679"/>
-            <a:ext cx="8846774" cy="2931572"/>
+            <a:ext cx="8846774" cy="1569660"/>
           </a:xfrm>
           <a:prstGeom prst="rect">
             <a:avLst/>
@@ -5450,7 +5123,14 @@
                 <a:latin typeface="HGS創英角ﾎﾟｯﾌﾟ体" panose="040B0A00000000000000" pitchFamily="50" charset="-128"/>
                 <a:ea typeface="HGS創英角ﾎﾟｯﾌﾟ体" panose="040B0A00000000000000" pitchFamily="50" charset="-128"/>
               </a:rPr>
-              <a:t>子供にわかるような簡単でシンプルなゲーム</a:t>
+              <a:t>子供にわかる</a:t>
+            </a:r>
+            <a:r>
+              <a:rPr lang="ja-JP" altLang="en-US" sz="3200" dirty="0" smtClean="0">
+                <a:latin typeface="HGS創英角ﾎﾟｯﾌﾟ体" panose="040B0A00000000000000" pitchFamily="50" charset="-128"/>
+                <a:ea typeface="HGS創英角ﾎﾟｯﾌﾟ体" panose="040B0A00000000000000" pitchFamily="50" charset="-128"/>
+              </a:rPr>
+              <a:t>ようなシンプルな操作性</a:t>
             </a:r>
             <a:endParaRPr lang="en-US" altLang="ja-JP" sz="3200" dirty="0" smtClean="0">
               <a:latin typeface="HGS創英角ﾎﾟｯﾌﾟ体" panose="040B0A00000000000000" pitchFamily="50" charset="-128"/>
@@ -5470,13 +5150,172 @@
                 <a:latin typeface="HGS創英角ﾎﾟｯﾌﾟ体" panose="040B0A00000000000000" pitchFamily="50" charset="-128"/>
                 <a:ea typeface="HGS創英角ﾎﾟｯﾌﾟ体" panose="040B0A00000000000000" pitchFamily="50" charset="-128"/>
               </a:rPr>
-              <a:t>大人も一緒に探せるようなむずかしさ</a:t>
+              <a:t>大人も一緒に探せるような</a:t>
+            </a:r>
+            <a:r>
+              <a:rPr lang="ja-JP" altLang="en-US" sz="3200" dirty="0" smtClean="0">
+                <a:latin typeface="HGS創英角ﾎﾟｯﾌﾟ体" panose="040B0A00000000000000" pitchFamily="50" charset="-128"/>
+                <a:ea typeface="HGS創英角ﾎﾟｯﾌﾟ体" panose="040B0A00000000000000" pitchFamily="50" charset="-128"/>
+              </a:rPr>
+              <a:t>むずかしさ</a:t>
             </a:r>
             <a:endParaRPr lang="en-US" altLang="ja-JP" sz="3200" dirty="0" smtClean="0">
               <a:latin typeface="HGS創英角ﾎﾟｯﾌﾟ体" panose="040B0A00000000000000" pitchFamily="50" charset="-128"/>
               <a:ea typeface="HGS創英角ﾎﾟｯﾌﾟ体" panose="040B0A00000000000000" pitchFamily="50" charset="-128"/>
             </a:endParaRPr>
           </a:p>
+        </p:txBody>
+      </p:sp>
+    </p:spTree>
+    <p:extLst>
+      <p:ext uri="{BB962C8B-B14F-4D97-AF65-F5344CB8AC3E}">
+        <p14:creationId xmlns:p14="http://schemas.microsoft.com/office/powerpoint/2010/main" val="2180150527"/>
+      </p:ext>
+    </p:extLst>
+  </p:cSld>
+  <p:clrMapOvr>
+    <a:masterClrMapping/>
+  </p:clrMapOvr>
+  <p:timing>
+    <p:tnLst>
+      <p:par>
+        <p:cTn id="1" dur="indefinite" restart="never" nodeType="tmRoot"/>
+      </p:par>
+    </p:tnLst>
+  </p:timing>
+</p:sld>
+</file>
+
+<file path=ppt/slides/slide5.xml><?xml version="1.0" encoding="utf-8"?>
+<p:sld xmlns:a="http://schemas.openxmlformats.org/drawingml/2006/main" xmlns:r="http://schemas.openxmlformats.org/officeDocument/2006/relationships" xmlns:p="http://schemas.openxmlformats.org/presentationml/2006/main">
+  <p:cSld>
+    <p:spTree>
+      <p:nvGrpSpPr>
+        <p:cNvPr id="1" name=""/>
+        <p:cNvGrpSpPr/>
+        <p:nvPr/>
+      </p:nvGrpSpPr>
+      <p:grpSpPr>
+        <a:xfrm>
+          <a:off x="0" y="0"/>
+          <a:ext cx="0" cy="0"/>
+          <a:chOff x="0" y="0"/>
+          <a:chExt cx="0" cy="0"/>
+        </a:xfrm>
+      </p:grpSpPr>
+      <p:sp>
+        <p:nvSpPr>
+          <p:cNvPr id="4" name="正方形/長方形 3"/>
+          <p:cNvSpPr/>
+          <p:nvPr/>
+        </p:nvSpPr>
+        <p:spPr>
+          <a:xfrm>
+            <a:off x="184469" y="259631"/>
+            <a:ext cx="11843157" cy="6203496"/>
+          </a:xfrm>
+          <a:prstGeom prst="rect">
+            <a:avLst/>
+          </a:prstGeom>
+          <a:solidFill>
+            <a:schemeClr val="lt1">
+              <a:alpha val="70000"/>
+            </a:schemeClr>
+          </a:solidFill>
+          <a:ln>
+            <a:solidFill>
+              <a:schemeClr val="bg1"/>
+            </a:solidFill>
+          </a:ln>
+          <a:effectLst>
+            <a:softEdge rad="635000"/>
+          </a:effectLst>
+        </p:spPr>
+        <p:style>
+          <a:lnRef idx="2">
+            <a:schemeClr val="accent1"/>
+          </a:lnRef>
+          <a:fillRef idx="1">
+            <a:schemeClr val="lt1"/>
+          </a:fillRef>
+          <a:effectRef idx="0">
+            <a:schemeClr val="accent1"/>
+          </a:effectRef>
+          <a:fontRef idx="minor">
+            <a:schemeClr val="dk1"/>
+          </a:fontRef>
+        </p:style>
+        <p:txBody>
+          <a:bodyPr rtlCol="0" anchor="ctr"/>
+          <a:lstStyle/>
+          <a:p>
+            <a:pPr algn="ctr"/>
+            <a:endParaRPr kumimoji="1" lang="ja-JP" altLang="en-US"/>
+          </a:p>
+        </p:txBody>
+      </p:sp>
+      <p:sp>
+        <p:nvSpPr>
+          <p:cNvPr id="5" name="タイトル 2"/>
+          <p:cNvSpPr>
+            <a:spLocks noGrp="1"/>
+          </p:cNvSpPr>
+          <p:nvPr>
+            <p:ph type="title"/>
+          </p:nvPr>
+        </p:nvSpPr>
+        <p:spPr>
+          <a:xfrm>
+            <a:off x="1512026" y="1019803"/>
+            <a:ext cx="10515600" cy="1325563"/>
+          </a:xfrm>
+        </p:spPr>
+        <p:txBody>
+          <a:bodyPr/>
+          <a:lstStyle/>
+          <a:p>
+            <a:r>
+              <a:rPr lang="ja-JP" altLang="en-US" b="1" dirty="0">
+                <a:latin typeface="HGS創英角ﾎﾟｯﾌﾟ体" panose="040B0A00000000000000" pitchFamily="50" charset="-128"/>
+                <a:ea typeface="HGS創英角ﾎﾟｯﾌﾟ体" panose="040B0A00000000000000" pitchFamily="50" charset="-128"/>
+              </a:rPr>
+              <a:t>工夫</a:t>
+            </a:r>
+            <a:r>
+              <a:rPr lang="ja-JP" altLang="en-US" b="1" dirty="0" smtClean="0">
+                <a:latin typeface="HGS創英角ﾎﾟｯﾌﾟ体" panose="040B0A00000000000000" pitchFamily="50" charset="-128"/>
+                <a:ea typeface="HGS創英角ﾎﾟｯﾌﾟ体" panose="040B0A00000000000000" pitchFamily="50" charset="-128"/>
+              </a:rPr>
+              <a:t>した点</a:t>
+            </a:r>
+            <a:endParaRPr kumimoji="1" lang="ja-JP" altLang="en-US" b="1" dirty="0">
+              <a:latin typeface="HGS創英角ﾎﾟｯﾌﾟ体" panose="040B0A00000000000000" pitchFamily="50" charset="-128"/>
+              <a:ea typeface="HGS創英角ﾎﾟｯﾌﾟ体" panose="040B0A00000000000000" pitchFamily="50" charset="-128"/>
+            </a:endParaRPr>
+          </a:p>
+        </p:txBody>
+      </p:sp>
+      <p:sp>
+        <p:nvSpPr>
+          <p:cNvPr id="6" name="テキスト ボックス 5"/>
+          <p:cNvSpPr txBox="1"/>
+          <p:nvPr/>
+        </p:nvSpPr>
+        <p:spPr>
+          <a:xfrm>
+            <a:off x="1934083" y="2098489"/>
+            <a:ext cx="8846774" cy="1569660"/>
+          </a:xfrm>
+          <a:prstGeom prst="rect">
+            <a:avLst/>
+          </a:prstGeom>
+          <a:noFill/>
+        </p:spPr>
+        <p:txBody>
+          <a:bodyPr wrap="square" rtlCol="0">
+            <a:spAutoFit/>
+          </a:bodyPr>
+          <a:lstStyle/>
           <a:p>
             <a:pPr marL="457200" indent="-457200">
               <a:lnSpc>
@@ -5490,7 +5329,28 @@
                 <a:latin typeface="HGS創英角ﾎﾟｯﾌﾟ体" panose="040B0A00000000000000" pitchFamily="50" charset="-128"/>
                 <a:ea typeface="HGS創英角ﾎﾟｯﾌﾟ体" panose="040B0A00000000000000" pitchFamily="50" charset="-128"/>
               </a:rPr>
-              <a:t>ノベルを挟みキャラクターをイメージさせる</a:t>
+              <a:t>ノベル</a:t>
+            </a:r>
+            <a:r>
+              <a:rPr lang="ja-JP" altLang="en-US" sz="3200" dirty="0" smtClean="0">
+                <a:latin typeface="HGS創英角ﾎﾟｯﾌﾟ体" panose="040B0A00000000000000" pitchFamily="50" charset="-128"/>
+                <a:ea typeface="HGS創英角ﾎﾟｯﾌﾟ体" panose="040B0A00000000000000" pitchFamily="50" charset="-128"/>
+              </a:rPr>
+              <a:t>を挟みキャラクター</a:t>
+            </a:r>
+            <a:r>
+              <a:rPr lang="ja-JP" altLang="en-US" sz="3200" dirty="0" smtClean="0">
+                <a:latin typeface="HGS創英角ﾎﾟｯﾌﾟ体" panose="040B0A00000000000000" pitchFamily="50" charset="-128"/>
+                <a:ea typeface="HGS創英角ﾎﾟｯﾌﾟ体" panose="040B0A00000000000000" pitchFamily="50" charset="-128"/>
+              </a:rPr>
+              <a:t>を</a:t>
+            </a:r>
+            <a:r>
+              <a:rPr lang="ja-JP" altLang="en-US" sz="3200" dirty="0">
+                <a:latin typeface="HGS創英角ﾎﾟｯﾌﾟ体" panose="040B0A00000000000000" pitchFamily="50" charset="-128"/>
+                <a:ea typeface="HGS創英角ﾎﾟｯﾌﾟ体" panose="040B0A00000000000000" pitchFamily="50" charset="-128"/>
+              </a:rPr>
+              <a:t>イメージ</a:t>
             </a:r>
             <a:endParaRPr lang="en-US" altLang="ja-JP" sz="3200" dirty="0" smtClean="0">
               <a:latin typeface="HGS創英角ﾎﾟｯﾌﾟ体" panose="040B0A00000000000000" pitchFamily="50" charset="-128"/>
@@ -5519,10 +5379,423 @@
           </a:p>
         </p:txBody>
       </p:sp>
+      <p:pic>
+        <p:nvPicPr>
+          <p:cNvPr id="7" name="図 6"/>
+          <p:cNvPicPr>
+            <a:picLocks noChangeAspect="1"/>
+          </p:cNvPicPr>
+          <p:nvPr/>
+        </p:nvPicPr>
+        <p:blipFill rotWithShape="1">
+          <a:blip r:embed="rId3" cstate="print">
+            <a:extLst>
+              <a:ext uri="{28A0092B-C50C-407E-A947-70E740481C1C}">
+                <a14:useLocalDpi xmlns:a14="http://schemas.microsoft.com/office/drawing/2010/main" val="0"/>
+              </a:ext>
+            </a:extLst>
+          </a:blip>
+          <a:srcRect t="2819" r="2114"/>
+          <a:stretch/>
+        </p:blipFill>
+        <p:spPr>
+          <a:xfrm>
+            <a:off x="1934083" y="3761955"/>
+            <a:ext cx="3901211" cy="2178633"/>
+          </a:xfrm>
+          <a:prstGeom prst="rect">
+            <a:avLst/>
+          </a:prstGeom>
+        </p:spPr>
+      </p:pic>
+      <p:pic>
+        <p:nvPicPr>
+          <p:cNvPr id="2" name="図 1"/>
+          <p:cNvPicPr>
+            <a:picLocks noChangeAspect="1"/>
+          </p:cNvPicPr>
+          <p:nvPr/>
+        </p:nvPicPr>
+        <p:blipFill>
+          <a:blip r:embed="rId4" cstate="print">
+            <a:extLst>
+              <a:ext uri="{28A0092B-C50C-407E-A947-70E740481C1C}">
+                <a14:useLocalDpi xmlns:a14="http://schemas.microsoft.com/office/drawing/2010/main" val="0"/>
+              </a:ext>
+            </a:extLst>
+          </a:blip>
+          <a:stretch>
+            <a:fillRect/>
+          </a:stretch>
+        </p:blipFill>
+        <p:spPr>
+          <a:xfrm>
+            <a:off x="6921795" y="3761954"/>
+            <a:ext cx="3678865" cy="2178633"/>
+          </a:xfrm>
+          <a:prstGeom prst="rect">
+            <a:avLst/>
+          </a:prstGeom>
+        </p:spPr>
+      </p:pic>
     </p:spTree>
     <p:extLst>
       <p:ext uri="{BB962C8B-B14F-4D97-AF65-F5344CB8AC3E}">
-        <p14:creationId xmlns:p14="http://schemas.microsoft.com/office/powerpoint/2010/main" val="2180150527"/>
+        <p14:creationId xmlns:p14="http://schemas.microsoft.com/office/powerpoint/2010/main" val="428576769"/>
+      </p:ext>
+    </p:extLst>
+  </p:cSld>
+  <p:clrMapOvr>
+    <a:masterClrMapping/>
+  </p:clrMapOvr>
+  <p:timing>
+    <p:tnLst>
+      <p:par>
+        <p:cTn id="1" dur="indefinite" restart="never" nodeType="tmRoot"/>
+      </p:par>
+    </p:tnLst>
+  </p:timing>
+</p:sld>
+</file>
+
+<file path=ppt/slides/slide6.xml><?xml version="1.0" encoding="utf-8"?>
+<p:sld xmlns:a="http://schemas.openxmlformats.org/drawingml/2006/main" xmlns:r="http://schemas.openxmlformats.org/officeDocument/2006/relationships" xmlns:p="http://schemas.openxmlformats.org/presentationml/2006/main">
+  <p:cSld>
+    <p:spTree>
+      <p:nvGrpSpPr>
+        <p:cNvPr id="1" name=""/>
+        <p:cNvGrpSpPr/>
+        <p:nvPr/>
+      </p:nvGrpSpPr>
+      <p:grpSpPr>
+        <a:xfrm>
+          <a:off x="0" y="0"/>
+          <a:ext cx="0" cy="0"/>
+          <a:chOff x="0" y="0"/>
+          <a:chExt cx="0" cy="0"/>
+        </a:xfrm>
+      </p:grpSpPr>
+      <p:sp>
+        <p:nvSpPr>
+          <p:cNvPr id="4" name="正方形/長方形 3"/>
+          <p:cNvSpPr/>
+          <p:nvPr/>
+        </p:nvSpPr>
+        <p:spPr>
+          <a:xfrm>
+            <a:off x="210620" y="258800"/>
+            <a:ext cx="11843157" cy="6203496"/>
+          </a:xfrm>
+          <a:prstGeom prst="rect">
+            <a:avLst/>
+          </a:prstGeom>
+          <a:solidFill>
+            <a:schemeClr val="lt1">
+              <a:alpha val="70000"/>
+            </a:schemeClr>
+          </a:solidFill>
+          <a:ln>
+            <a:solidFill>
+              <a:schemeClr val="bg1"/>
+            </a:solidFill>
+          </a:ln>
+          <a:effectLst>
+            <a:softEdge rad="635000"/>
+          </a:effectLst>
+        </p:spPr>
+        <p:style>
+          <a:lnRef idx="2">
+            <a:schemeClr val="accent1"/>
+          </a:lnRef>
+          <a:fillRef idx="1">
+            <a:schemeClr val="lt1"/>
+          </a:fillRef>
+          <a:effectRef idx="0">
+            <a:schemeClr val="accent1"/>
+          </a:effectRef>
+          <a:fontRef idx="minor">
+            <a:schemeClr val="dk1"/>
+          </a:fontRef>
+        </p:style>
+        <p:txBody>
+          <a:bodyPr rtlCol="0" anchor="ctr"/>
+          <a:lstStyle/>
+          <a:p>
+            <a:pPr algn="ctr"/>
+            <a:endParaRPr kumimoji="1" lang="ja-JP" altLang="en-US"/>
+          </a:p>
+        </p:txBody>
+      </p:sp>
+      <p:sp>
+        <p:nvSpPr>
+          <p:cNvPr id="2" name="コンテンツ プレースホルダー 1"/>
+          <p:cNvSpPr>
+            <a:spLocks noGrp="1"/>
+          </p:cNvSpPr>
+          <p:nvPr>
+            <p:ph idx="1"/>
+          </p:nvPr>
+        </p:nvSpPr>
+        <p:spPr>
+          <a:xfrm>
+            <a:off x="1327557" y="2371171"/>
+            <a:ext cx="10515600" cy="2413480"/>
+          </a:xfrm>
+        </p:spPr>
+        <p:txBody>
+          <a:bodyPr/>
+          <a:lstStyle/>
+          <a:p>
+            <a:r>
+              <a:rPr kumimoji="1" lang="ja-JP" altLang="en-US" sz="3200" dirty="0" smtClean="0">
+                <a:latin typeface="HGS創英角ﾎﾟｯﾌﾟ体" panose="040B0A00000000000000" pitchFamily="50" charset="-128"/>
+                <a:ea typeface="HGS創英角ﾎﾟｯﾌﾟ体" panose="040B0A00000000000000" pitchFamily="50" charset="-128"/>
+              </a:rPr>
+              <a:t>狙い通り親子で</a:t>
+            </a:r>
+            <a:r>
+              <a:rPr lang="ja-JP" altLang="en-US" sz="3200" dirty="0">
+                <a:latin typeface="HGS創英角ﾎﾟｯﾌﾟ体" panose="040B0A00000000000000" pitchFamily="50" charset="-128"/>
+                <a:ea typeface="HGS創英角ﾎﾟｯﾌﾟ体" panose="040B0A00000000000000" pitchFamily="50" charset="-128"/>
+              </a:rPr>
+              <a:t>一緒</a:t>
+            </a:r>
+            <a:r>
+              <a:rPr lang="ja-JP" altLang="en-US" sz="3200" dirty="0" smtClean="0">
+                <a:latin typeface="HGS創英角ﾎﾟｯﾌﾟ体" panose="040B0A00000000000000" pitchFamily="50" charset="-128"/>
+                <a:ea typeface="HGS創英角ﾎﾟｯﾌﾟ体" panose="040B0A00000000000000" pitchFamily="50" charset="-128"/>
+              </a:rPr>
+              <a:t>に楽しんでくれた</a:t>
+            </a:r>
+            <a:r>
+              <a:rPr lang="ja-JP" altLang="en-US" sz="3200" dirty="0" smtClean="0">
+                <a:latin typeface="HGS創英角ﾎﾟｯﾌﾟ体" panose="040B0A00000000000000" pitchFamily="50" charset="-128"/>
+                <a:ea typeface="HGS創英角ﾎﾟｯﾌﾟ体" panose="040B0A00000000000000" pitchFamily="50" charset="-128"/>
+              </a:rPr>
+              <a:t>。</a:t>
+            </a:r>
+            <a:endParaRPr kumimoji="1" lang="en-US" altLang="ja-JP" sz="3200" dirty="0">
+              <a:latin typeface="HGS創英角ﾎﾟｯﾌﾟ体" panose="040B0A00000000000000" pitchFamily="50" charset="-128"/>
+              <a:ea typeface="HGS創英角ﾎﾟｯﾌﾟ体" panose="040B0A00000000000000" pitchFamily="50" charset="-128"/>
+            </a:endParaRPr>
+          </a:p>
+          <a:p>
+            <a:r>
+              <a:rPr kumimoji="1" lang="ja-JP" altLang="en-US" sz="3200" dirty="0" smtClean="0">
+                <a:latin typeface="HGS創英角ﾎﾟｯﾌﾟ体" panose="040B0A00000000000000" pitchFamily="50" charset="-128"/>
+                <a:ea typeface="HGS創英角ﾎﾟｯﾌﾟ体" panose="040B0A00000000000000" pitchFamily="50" charset="-128"/>
+              </a:rPr>
+              <a:t>妖怪ウォッチのイベント前</a:t>
+            </a:r>
+            <a:r>
+              <a:rPr kumimoji="1" lang="ja-JP" altLang="en-US" sz="3200" dirty="0" smtClean="0">
+                <a:latin typeface="HGS創英角ﾎﾟｯﾌﾟ体" panose="040B0A00000000000000" pitchFamily="50" charset="-128"/>
+                <a:ea typeface="HGS創英角ﾎﾟｯﾌﾟ体" panose="040B0A00000000000000" pitchFamily="50" charset="-128"/>
+              </a:rPr>
+              <a:t>や</a:t>
+            </a:r>
+            <a:endParaRPr kumimoji="1" lang="en-US" altLang="ja-JP" sz="3200" dirty="0" smtClean="0">
+              <a:latin typeface="HGS創英角ﾎﾟｯﾌﾟ体" panose="040B0A00000000000000" pitchFamily="50" charset="-128"/>
+              <a:ea typeface="HGS創英角ﾎﾟｯﾌﾟ体" panose="040B0A00000000000000" pitchFamily="50" charset="-128"/>
+            </a:endParaRPr>
+          </a:p>
+          <a:p>
+            <a:pPr marL="0" indent="0">
+              <a:buNone/>
+            </a:pPr>
+            <a:r>
+              <a:rPr lang="ja-JP" altLang="en-US" sz="3200" dirty="0" smtClean="0">
+                <a:latin typeface="HGS創英角ﾎﾟｯﾌﾟ体" panose="040B0A00000000000000" pitchFamily="50" charset="-128"/>
+                <a:ea typeface="HGS創英角ﾎﾟｯﾌﾟ体" panose="040B0A00000000000000" pitchFamily="50" charset="-128"/>
+              </a:rPr>
+              <a:t>　　　</a:t>
+            </a:r>
+            <a:r>
+              <a:rPr lang="ja-JP" altLang="en-US" sz="3200" dirty="0">
+                <a:latin typeface="HGS創英角ﾎﾟｯﾌﾟ体" panose="040B0A00000000000000" pitchFamily="50" charset="-128"/>
+                <a:ea typeface="HGS創英角ﾎﾟｯﾌﾟ体" panose="040B0A00000000000000" pitchFamily="50" charset="-128"/>
+              </a:rPr>
+              <a:t>　</a:t>
+            </a:r>
+            <a:r>
+              <a:rPr lang="ja-JP" altLang="en-US" sz="3200" dirty="0" smtClean="0">
+                <a:latin typeface="HGS創英角ﾎﾟｯﾌﾟ体" panose="040B0A00000000000000" pitchFamily="50" charset="-128"/>
+                <a:ea typeface="HGS創英角ﾎﾟｯﾌﾟ体" panose="040B0A00000000000000" pitchFamily="50" charset="-128"/>
+              </a:rPr>
+              <a:t>　　　</a:t>
+            </a:r>
+            <a:r>
+              <a:rPr kumimoji="1" lang="ja-JP" altLang="en-US" sz="3200" dirty="0" smtClean="0">
+                <a:latin typeface="HGS創英角ﾎﾟｯﾌﾟ体" panose="040B0A00000000000000" pitchFamily="50" charset="-128"/>
+                <a:ea typeface="HGS創英角ﾎﾟｯﾌﾟ体" panose="040B0A00000000000000" pitchFamily="50" charset="-128"/>
+              </a:rPr>
+              <a:t>イベント後</a:t>
+            </a:r>
+            <a:r>
+              <a:rPr kumimoji="1" lang="ja-JP" altLang="en-US" sz="3200" dirty="0" smtClean="0">
+                <a:latin typeface="HGS創英角ﾎﾟｯﾌﾟ体" panose="040B0A00000000000000" pitchFamily="50" charset="-128"/>
+                <a:ea typeface="HGS創英角ﾎﾟｯﾌﾟ体" panose="040B0A00000000000000" pitchFamily="50" charset="-128"/>
+              </a:rPr>
+              <a:t>にお客様が来てくれた</a:t>
+            </a:r>
+            <a:endParaRPr kumimoji="1" lang="ja-JP" altLang="en-US" sz="3200" dirty="0">
+              <a:latin typeface="HGS創英角ﾎﾟｯﾌﾟ体" panose="040B0A00000000000000" pitchFamily="50" charset="-128"/>
+              <a:ea typeface="HGS創英角ﾎﾟｯﾌﾟ体" panose="040B0A00000000000000" pitchFamily="50" charset="-128"/>
+            </a:endParaRPr>
+          </a:p>
+        </p:txBody>
+      </p:sp>
+      <p:sp>
+        <p:nvSpPr>
+          <p:cNvPr id="3" name="タイトル 2"/>
+          <p:cNvSpPr>
+            <a:spLocks noGrp="1"/>
+          </p:cNvSpPr>
+          <p:nvPr>
+            <p:ph type="title"/>
+          </p:nvPr>
+        </p:nvSpPr>
+        <p:spPr>
+          <a:xfrm>
+            <a:off x="1327557" y="1045608"/>
+            <a:ext cx="10515600" cy="1325563"/>
+          </a:xfrm>
+        </p:spPr>
+        <p:txBody>
+          <a:bodyPr/>
+          <a:lstStyle/>
+          <a:p>
+            <a:r>
+              <a:rPr lang="ja-JP" altLang="en-US" dirty="0">
+                <a:latin typeface="HGS創英角ﾎﾟｯﾌﾟ体" panose="040B0A00000000000000" pitchFamily="50" charset="-128"/>
+                <a:ea typeface="HGS創英角ﾎﾟｯﾌﾟ体" panose="040B0A00000000000000" pitchFamily="50" charset="-128"/>
+              </a:rPr>
+              <a:t>実際</a:t>
+            </a:r>
+            <a:r>
+              <a:rPr lang="ja-JP" altLang="en-US" dirty="0" smtClean="0">
+                <a:latin typeface="HGS創英角ﾎﾟｯﾌﾟ体" panose="040B0A00000000000000" pitchFamily="50" charset="-128"/>
+                <a:ea typeface="HGS創英角ﾎﾟｯﾌﾟ体" panose="040B0A00000000000000" pitchFamily="50" charset="-128"/>
+              </a:rPr>
+              <a:t>の展示の良かった点</a:t>
+            </a:r>
+            <a:endParaRPr kumimoji="1" lang="ja-JP" altLang="en-US" dirty="0">
+              <a:latin typeface="HGS創英角ﾎﾟｯﾌﾟ体" panose="040B0A00000000000000" pitchFamily="50" charset="-128"/>
+              <a:ea typeface="HGS創英角ﾎﾟｯﾌﾟ体" panose="040B0A00000000000000" pitchFamily="50" charset="-128"/>
+            </a:endParaRPr>
+          </a:p>
+        </p:txBody>
+      </p:sp>
+      <p:pic>
+        <p:nvPicPr>
+          <p:cNvPr id="5" name="図 4"/>
+          <p:cNvPicPr>
+            <a:picLocks noChangeAspect="1"/>
+          </p:cNvPicPr>
+          <p:nvPr/>
+        </p:nvPicPr>
+        <p:blipFill>
+          <a:blip r:embed="rId3" cstate="print">
+            <a:extLst>
+              <a:ext uri="{28A0092B-C50C-407E-A947-70E740481C1C}">
+                <a14:useLocalDpi xmlns:a14="http://schemas.microsoft.com/office/drawing/2010/main" val="0"/>
+              </a:ext>
+            </a:extLst>
+          </a:blip>
+          <a:stretch>
+            <a:fillRect/>
+          </a:stretch>
+        </p:blipFill>
+        <p:spPr>
+          <a:xfrm>
+            <a:off x="8341675" y="4395549"/>
+            <a:ext cx="2404528" cy="1593439"/>
+          </a:xfrm>
+          <a:prstGeom prst="rect">
+            <a:avLst/>
+          </a:prstGeom>
+          <a:solidFill>
+            <a:srgbClr val="FFFFFF">
+              <a:shade val="85000"/>
+            </a:srgbClr>
+          </a:solidFill>
+          <a:ln w="104775" cap="rnd">
+            <a:solidFill>
+              <a:srgbClr val="FFFFFF"/>
+            </a:solidFill>
+          </a:ln>
+          <a:effectLst/>
+          <a:scene3d>
+            <a:camera prst="orthographicFront"/>
+            <a:lightRig rig="twoPt" dir="t">
+              <a:rot lat="0" lon="0" rev="7800000"/>
+            </a:lightRig>
+          </a:scene3d>
+          <a:sp3d contourW="6350">
+            <a:bevelT w="50800" h="16510"/>
+            <a:contourClr>
+              <a:srgbClr val="C0C0C0"/>
+            </a:contourClr>
+          </a:sp3d>
+        </p:spPr>
+      </p:pic>
+      <p:pic>
+        <p:nvPicPr>
+          <p:cNvPr id="6" name="図 5"/>
+          <p:cNvPicPr>
+            <a:picLocks noChangeAspect="1"/>
+          </p:cNvPicPr>
+          <p:nvPr/>
+        </p:nvPicPr>
+        <p:blipFill>
+          <a:blip r:embed="rId4" cstate="print">
+            <a:extLst>
+              <a:ext uri="{28A0092B-C50C-407E-A947-70E740481C1C}">
+                <a14:useLocalDpi xmlns:a14="http://schemas.microsoft.com/office/drawing/2010/main" val="0"/>
+              </a:ext>
+            </a:extLst>
+          </a:blip>
+          <a:stretch>
+            <a:fillRect/>
+          </a:stretch>
+        </p:blipFill>
+        <p:spPr>
+          <a:xfrm>
+            <a:off x="6052920" y="4307631"/>
+            <a:ext cx="1484653" cy="1769277"/>
+          </a:xfrm>
+          <a:prstGeom prst="rect">
+            <a:avLst/>
+          </a:prstGeom>
+          <a:solidFill>
+            <a:srgbClr val="FFFFFF">
+              <a:shade val="85000"/>
+            </a:srgbClr>
+          </a:solidFill>
+          <a:ln w="104775" cap="rnd">
+            <a:solidFill>
+              <a:srgbClr val="FFFFFF"/>
+            </a:solidFill>
+          </a:ln>
+          <a:effectLst/>
+          <a:scene3d>
+            <a:camera prst="orthographicFront"/>
+            <a:lightRig rig="twoPt" dir="t">
+              <a:rot lat="0" lon="0" rev="7800000"/>
+            </a:lightRig>
+          </a:scene3d>
+          <a:sp3d contourW="6350">
+            <a:bevelT w="50800" h="16510"/>
+            <a:contourClr>
+              <a:srgbClr val="C0C0C0"/>
+            </a:contourClr>
+          </a:sp3d>
+        </p:spPr>
+      </p:pic>
+    </p:spTree>
+    <p:extLst>
+      <p:ext uri="{BB962C8B-B14F-4D97-AF65-F5344CB8AC3E}">
+        <p14:creationId xmlns:p14="http://schemas.microsoft.com/office/powerpoint/2010/main" val="445570053"/>
       </p:ext>
     </p:extLst>
   </p:cSld>
@@ -5558,6 +5831,57 @@
       </p:grpSpPr>
       <p:sp>
         <p:nvSpPr>
+          <p:cNvPr id="4" name="正方形/長方形 3"/>
+          <p:cNvSpPr/>
+          <p:nvPr/>
+        </p:nvSpPr>
+        <p:spPr>
+          <a:xfrm>
+            <a:off x="348843" y="301330"/>
+            <a:ext cx="11843157" cy="6203496"/>
+          </a:xfrm>
+          <a:prstGeom prst="rect">
+            <a:avLst/>
+          </a:prstGeom>
+          <a:solidFill>
+            <a:schemeClr val="lt1">
+              <a:alpha val="70000"/>
+            </a:schemeClr>
+          </a:solidFill>
+          <a:ln>
+            <a:solidFill>
+              <a:schemeClr val="bg1"/>
+            </a:solidFill>
+          </a:ln>
+          <a:effectLst>
+            <a:softEdge rad="635000"/>
+          </a:effectLst>
+        </p:spPr>
+        <p:style>
+          <a:lnRef idx="2">
+            <a:schemeClr val="accent1"/>
+          </a:lnRef>
+          <a:fillRef idx="1">
+            <a:schemeClr val="lt1"/>
+          </a:fillRef>
+          <a:effectRef idx="0">
+            <a:schemeClr val="accent1"/>
+          </a:effectRef>
+          <a:fontRef idx="minor">
+            <a:schemeClr val="dk1"/>
+          </a:fontRef>
+        </p:style>
+        <p:txBody>
+          <a:bodyPr rtlCol="0" anchor="ctr"/>
+          <a:lstStyle/>
+          <a:p>
+            <a:pPr algn="ctr"/>
+            <a:endParaRPr kumimoji="1" lang="ja-JP" altLang="en-US"/>
+          </a:p>
+        </p:txBody>
+      </p:sp>
+      <p:sp>
+        <p:nvSpPr>
           <p:cNvPr id="2" name="コンテンツ プレースホルダー 1"/>
           <p:cNvSpPr>
             <a:spLocks noGrp="1"/>
@@ -5566,34 +5890,82 @@
             <p:ph idx="1"/>
           </p:nvPr>
         </p:nvSpPr>
-        <p:spPr/>
-        <p:txBody>
-          <a:bodyPr/>
-          <a:lstStyle/>
-          <a:p>
-            <a:r>
-              <a:rPr kumimoji="1" lang="ja-JP" altLang="en-US" dirty="0" smtClean="0"/>
-              <a:t>狙い通り親子で</a:t>
-            </a:r>
-            <a:r>
-              <a:rPr lang="ja-JP" altLang="en-US" dirty="0"/>
-              <a:t>一緒</a:t>
-            </a:r>
-            <a:r>
-              <a:rPr lang="ja-JP" altLang="en-US" dirty="0" smtClean="0"/>
-              <a:t>に楽しんでくれた。</a:t>
-            </a:r>
-            <a:endParaRPr lang="en-US" altLang="ja-JP" dirty="0" smtClean="0"/>
-          </a:p>
-          <a:p>
-            <a:endParaRPr kumimoji="1" lang="en-US" altLang="ja-JP" dirty="0"/>
-          </a:p>
-          <a:p>
-            <a:r>
-              <a:rPr kumimoji="1" lang="ja-JP" altLang="en-US" dirty="0" smtClean="0"/>
-              <a:t>妖怪ウォッチのイベント前やイベント後にお客様が来てくれた</a:t>
-            </a:r>
-            <a:endParaRPr kumimoji="1" lang="ja-JP" altLang="en-US" dirty="0"/>
+        <p:spPr>
+          <a:xfrm>
+            <a:off x="1242237" y="2591169"/>
+            <a:ext cx="10515600" cy="4351338"/>
+          </a:xfrm>
+        </p:spPr>
+        <p:txBody>
+          <a:bodyPr>
+            <a:normAutofit/>
+          </a:bodyPr>
+          <a:lstStyle/>
+          <a:p>
+            <a:r>
+              <a:rPr kumimoji="1" lang="ja-JP" altLang="en-US" sz="3600" dirty="0" smtClean="0">
+                <a:latin typeface="HGS創英角ﾎﾟｯﾌﾟ体" panose="040B0A00000000000000" pitchFamily="50" charset="-128"/>
+                <a:ea typeface="HGS創英角ﾎﾟｯﾌﾟ体" panose="040B0A00000000000000" pitchFamily="50" charset="-128"/>
+              </a:rPr>
+              <a:t>ターゲットの年齢が想定していた</a:t>
+            </a:r>
+            <a:r>
+              <a:rPr kumimoji="1" lang="ja-JP" altLang="en-US" sz="3600" dirty="0" smtClean="0">
+                <a:latin typeface="HGS創英角ﾎﾟｯﾌﾟ体" panose="040B0A00000000000000" pitchFamily="50" charset="-128"/>
+                <a:ea typeface="HGS創英角ﾎﾟｯﾌﾟ体" panose="040B0A00000000000000" pitchFamily="50" charset="-128"/>
+              </a:rPr>
+              <a:t>より</a:t>
+            </a:r>
+            <a:endParaRPr kumimoji="1" lang="en-US" altLang="ja-JP" sz="3600" dirty="0" smtClean="0">
+              <a:latin typeface="HGS創英角ﾎﾟｯﾌﾟ体" panose="040B0A00000000000000" pitchFamily="50" charset="-128"/>
+              <a:ea typeface="HGS創英角ﾎﾟｯﾌﾟ体" panose="040B0A00000000000000" pitchFamily="50" charset="-128"/>
+            </a:endParaRPr>
+          </a:p>
+          <a:p>
+            <a:pPr marL="0" indent="0">
+              <a:buNone/>
+            </a:pPr>
+            <a:r>
+              <a:rPr lang="ja-JP" altLang="en-US" sz="3600" dirty="0" smtClean="0">
+                <a:latin typeface="HGS創英角ﾎﾟｯﾌﾟ体" panose="040B0A00000000000000" pitchFamily="50" charset="-128"/>
+                <a:ea typeface="HGS創英角ﾎﾟｯﾌﾟ体" panose="040B0A00000000000000" pitchFamily="50" charset="-128"/>
+              </a:rPr>
+              <a:t>  </a:t>
+            </a:r>
+            <a:r>
+              <a:rPr kumimoji="1" lang="ja-JP" altLang="en-US" sz="3600" dirty="0" smtClean="0">
+                <a:latin typeface="HGS創英角ﾎﾟｯﾌﾟ体" panose="040B0A00000000000000" pitchFamily="50" charset="-128"/>
+                <a:ea typeface="HGS創英角ﾎﾟｯﾌﾟ体" panose="040B0A00000000000000" pitchFamily="50" charset="-128"/>
+              </a:rPr>
+              <a:t>下回って</a:t>
+            </a:r>
+            <a:r>
+              <a:rPr kumimoji="1" lang="ja-JP" altLang="en-US" sz="3600" dirty="0" smtClean="0">
+                <a:latin typeface="HGS創英角ﾎﾟｯﾌﾟ体" panose="040B0A00000000000000" pitchFamily="50" charset="-128"/>
+                <a:ea typeface="HGS創英角ﾎﾟｯﾌﾟ体" panose="040B0A00000000000000" pitchFamily="50" charset="-128"/>
+              </a:rPr>
+              <a:t>しまった。</a:t>
+            </a:r>
+            <a:endParaRPr kumimoji="1" lang="en-US" altLang="ja-JP" sz="3600" dirty="0" smtClean="0">
+              <a:latin typeface="HGS創英角ﾎﾟｯﾌﾟ体" panose="040B0A00000000000000" pitchFamily="50" charset="-128"/>
+              <a:ea typeface="HGS創英角ﾎﾟｯﾌﾟ体" panose="040B0A00000000000000" pitchFamily="50" charset="-128"/>
+            </a:endParaRPr>
+          </a:p>
+          <a:p>
+            <a:endParaRPr lang="en-US" altLang="ja-JP" sz="3600" dirty="0"/>
+          </a:p>
+          <a:p>
+            <a:r>
+              <a:rPr kumimoji="1" lang="ja-JP" altLang="en-US" sz="3600" dirty="0" smtClean="0">
+                <a:latin typeface="HGS創英角ﾎﾟｯﾌﾟ体" panose="040B0A00000000000000" pitchFamily="50" charset="-128"/>
+                <a:ea typeface="HGS創英角ﾎﾟｯﾌﾟ体" panose="040B0A00000000000000" pitchFamily="50" charset="-128"/>
+              </a:rPr>
+              <a:t>操作がしづらいという子がいた</a:t>
+            </a:r>
+            <a:endParaRPr kumimoji="1" lang="ja-JP" altLang="en-US" sz="3600" dirty="0">
+              <a:latin typeface="HGS創英角ﾎﾟｯﾌﾟ体" panose="040B0A00000000000000" pitchFamily="50" charset="-128"/>
+              <a:ea typeface="HGS創英角ﾎﾟｯﾌﾟ体" panose="040B0A00000000000000" pitchFamily="50" charset="-128"/>
+            </a:endParaRPr>
           </a:p>
         </p:txBody>
       </p:sp>
@@ -5607,33 +5979,47 @@
             <p:ph type="title"/>
           </p:nvPr>
         </p:nvSpPr>
-        <p:spPr/>
-        <p:txBody>
-          <a:bodyPr/>
-          <a:lstStyle/>
-          <a:p>
-            <a:r>
-              <a:rPr lang="ja-JP" altLang="en-US" dirty="0"/>
-              <a:t>実際</a:t>
-            </a:r>
-            <a:r>
-              <a:rPr lang="ja-JP" altLang="en-US" dirty="0" smtClean="0"/>
-              <a:t>の展示の良かった点</a:t>
-            </a:r>
-            <a:endParaRPr kumimoji="1" lang="ja-JP" altLang="en-US" dirty="0"/>
+        <p:spPr>
+          <a:xfrm>
+            <a:off x="1061483" y="1162843"/>
+            <a:ext cx="10515600" cy="1325563"/>
+          </a:xfrm>
+        </p:spPr>
+        <p:txBody>
+          <a:bodyPr/>
+          <a:lstStyle/>
+          <a:p>
+            <a:r>
+              <a:rPr kumimoji="1" lang="ja-JP" altLang="en-US" dirty="0" smtClean="0">
+                <a:latin typeface="HGS創英角ﾎﾟｯﾌﾟ体" panose="040B0A00000000000000" pitchFamily="50" charset="-128"/>
+                <a:ea typeface="HGS創英角ﾎﾟｯﾌﾟ体" panose="040B0A00000000000000" pitchFamily="50" charset="-128"/>
+              </a:rPr>
+              <a:t>実際の展示の悪かった点</a:t>
+            </a:r>
+            <a:endParaRPr kumimoji="1" lang="ja-JP" altLang="en-US" dirty="0">
+              <a:latin typeface="HGS創英角ﾎﾟｯﾌﾟ体" panose="040B0A00000000000000" pitchFamily="50" charset="-128"/>
+              <a:ea typeface="HGS創英角ﾎﾟｯﾌﾟ体" panose="040B0A00000000000000" pitchFamily="50" charset="-128"/>
+            </a:endParaRPr>
           </a:p>
         </p:txBody>
       </p:sp>
     </p:spTree>
     <p:extLst>
       <p:ext uri="{BB962C8B-B14F-4D97-AF65-F5344CB8AC3E}">
-        <p14:creationId xmlns:p14="http://schemas.microsoft.com/office/powerpoint/2010/main" val="445570053"/>
+        <p14:creationId xmlns:p14="http://schemas.microsoft.com/office/powerpoint/2010/main" val="2890798310"/>
       </p:ext>
     </p:extLst>
   </p:cSld>
   <p:clrMapOvr>
     <a:masterClrMapping/>
   </p:clrMapOvr>
+  <p:timing>
+    <p:tnLst>
+      <p:par>
+        <p:cTn id="1" dur="indefinite" restart="never" nodeType="tmRoot"/>
+      </p:par>
+    </p:tnLst>
+  </p:timing>
 </p:sld>
 </file>
 
@@ -5656,99 +6042,13 @@
       </p:grpSpPr>
       <p:sp>
         <p:nvSpPr>
-          <p:cNvPr id="2" name="コンテンツ プレースホルダー 1"/>
-          <p:cNvSpPr>
-            <a:spLocks noGrp="1"/>
-          </p:cNvSpPr>
-          <p:nvPr>
-            <p:ph idx="1"/>
-          </p:nvPr>
-        </p:nvSpPr>
-        <p:spPr/>
-        <p:txBody>
-          <a:bodyPr/>
-          <a:lstStyle/>
-          <a:p>
-            <a:r>
-              <a:rPr kumimoji="1" lang="ja-JP" altLang="en-US" dirty="0" smtClean="0"/>
-              <a:t>ターゲットの年齢が想定していたより下回ってしまった。</a:t>
-            </a:r>
-            <a:endParaRPr kumimoji="1" lang="en-US" altLang="ja-JP" dirty="0" smtClean="0"/>
-          </a:p>
-          <a:p>
-            <a:endParaRPr lang="en-US" altLang="ja-JP" dirty="0"/>
-          </a:p>
-          <a:p>
-            <a:r>
-              <a:rPr kumimoji="1" lang="ja-JP" altLang="en-US" dirty="0" smtClean="0"/>
-              <a:t>操作がしづらいという子がいた</a:t>
-            </a:r>
-            <a:endParaRPr kumimoji="1" lang="ja-JP" altLang="en-US" dirty="0"/>
-          </a:p>
-        </p:txBody>
-      </p:sp>
-      <p:sp>
-        <p:nvSpPr>
-          <p:cNvPr id="3" name="タイトル 2"/>
-          <p:cNvSpPr>
-            <a:spLocks noGrp="1"/>
-          </p:cNvSpPr>
-          <p:nvPr>
-            <p:ph type="title"/>
-          </p:nvPr>
-        </p:nvSpPr>
-        <p:spPr/>
-        <p:txBody>
-          <a:bodyPr/>
-          <a:lstStyle/>
-          <a:p>
-            <a:r>
-              <a:rPr kumimoji="1" lang="ja-JP" altLang="en-US" dirty="0" smtClean="0"/>
-              <a:t>実際の展示の悪かった点</a:t>
-            </a:r>
-            <a:endParaRPr kumimoji="1" lang="ja-JP" altLang="en-US" dirty="0"/>
-          </a:p>
-        </p:txBody>
-      </p:sp>
-    </p:spTree>
-    <p:extLst>
-      <p:ext uri="{BB962C8B-B14F-4D97-AF65-F5344CB8AC3E}">
-        <p14:creationId xmlns:p14="http://schemas.microsoft.com/office/powerpoint/2010/main" val="2890798310"/>
-      </p:ext>
-    </p:extLst>
-  </p:cSld>
-  <p:clrMapOvr>
-    <a:masterClrMapping/>
-  </p:clrMapOvr>
-</p:sld>
-</file>
-
-<file path=ppt/slides/slide9.xml><?xml version="1.0" encoding="utf-8"?>
-<p:sld xmlns:a="http://schemas.openxmlformats.org/drawingml/2006/main" xmlns:r="http://schemas.openxmlformats.org/officeDocument/2006/relationships" xmlns:p="http://schemas.openxmlformats.org/presentationml/2006/main">
-  <p:cSld>
-    <p:spTree>
-      <p:nvGrpSpPr>
-        <p:cNvPr id="1" name=""/>
-        <p:cNvGrpSpPr/>
-        <p:nvPr/>
-      </p:nvGrpSpPr>
-      <p:grpSpPr>
-        <a:xfrm>
-          <a:off x="0" y="0"/>
-          <a:ext cx="0" cy="0"/>
-          <a:chOff x="0" y="0"/>
-          <a:chExt cx="0" cy="0"/>
-        </a:xfrm>
-      </p:grpSpPr>
-      <p:sp>
-        <p:nvSpPr>
           <p:cNvPr id="4" name="正方形/長方形 3"/>
           <p:cNvSpPr/>
           <p:nvPr/>
         </p:nvSpPr>
         <p:spPr>
           <a:xfrm>
-            <a:off x="144276" y="308658"/>
+            <a:off x="250602" y="308658"/>
             <a:ext cx="11843157" cy="6203496"/>
           </a:xfrm>
           <a:prstGeom prst="rect">

--- a/よこありくんのプレゼンa.pptx
+++ b/よこありくんのプレゼンa.pptx
@@ -663,11 +663,7 @@
             </a:pPr>
             <a:r>
               <a:rPr kumimoji="1" lang="ja-JP" altLang="en-US" dirty="0" smtClean="0"/>
-              <a:t>では</a:t>
-            </a:r>
-            <a:r>
-              <a:rPr kumimoji="1" lang="ja-JP" altLang="en-US" dirty="0" smtClean="0"/>
-              <a:t>、実際のゲーム画面はこのようになっております。</a:t>
+              <a:t>では、実際のゲーム画面はこのようになっております。</a:t>
             </a:r>
           </a:p>
         </p:txBody>
@@ -760,15 +756,34 @@
           <a:p>
             <a:r>
               <a:rPr kumimoji="1" lang="ja-JP" altLang="en-US" dirty="0" smtClean="0"/>
-              <a:t>親子や友達と一緒に楽しめる、難易度設計、</a:t>
+              <a:t>親子や友達と一緒</a:t>
+            </a:r>
+            <a:r>
+              <a:rPr kumimoji="1" lang="ja-JP" altLang="en-US" dirty="0" smtClean="0"/>
+              <a:t>に決められたヨコアリくんを探す遊びで</a:t>
             </a:r>
             <a:endParaRPr kumimoji="1" lang="en-US" altLang="ja-JP" dirty="0" smtClean="0"/>
           </a:p>
           <a:p>
             <a:r>
               <a:rPr kumimoji="1" lang="ja-JP" altLang="en-US" dirty="0" smtClean="0"/>
-              <a:t>子供でも文字が読めるように漢字を使用していません。</a:t>
-            </a:r>
+              <a:t>難易度設計も１人で探すこともできますが、今回は複数人で楽しむことがメインなので、</a:t>
+            </a:r>
+            <a:endParaRPr kumimoji="1" lang="en-US" altLang="ja-JP" dirty="0" smtClean="0"/>
+          </a:p>
+          <a:p>
+            <a:r>
+              <a:rPr kumimoji="1" lang="ja-JP" altLang="en-US" dirty="0" smtClean="0"/>
+              <a:t>決めれたヨコアリくんの場所はヨコアリくんの分身の中に紛れ込んでいて、</a:t>
+            </a:r>
+            <a:endParaRPr kumimoji="1" lang="en-US" altLang="ja-JP" dirty="0" smtClean="0"/>
+          </a:p>
+          <a:p>
+            <a:r>
+              <a:rPr kumimoji="1" lang="ja-JP" altLang="en-US" dirty="0" smtClean="0"/>
+              <a:t>よく探さないと見つからないようになっています。</a:t>
+            </a:r>
+            <a:endParaRPr kumimoji="1" lang="en-US" altLang="ja-JP" dirty="0" smtClean="0"/>
           </a:p>
         </p:txBody>
       </p:sp>
@@ -854,12 +869,45 @@
           <a:p>
             <a:r>
               <a:rPr kumimoji="1" lang="ja-JP" altLang="en-US" dirty="0" smtClean="0"/>
-              <a:t>子供</a:t>
-            </a:r>
+              <a:t>アドベンチャーゲームのようにセリフを表示し、</a:t>
+            </a:r>
+            <a:endParaRPr kumimoji="1" lang="en-US" altLang="ja-JP" dirty="0" smtClean="0"/>
+          </a:p>
+          <a:p>
             <a:r>
               <a:rPr kumimoji="1" lang="ja-JP" altLang="en-US" dirty="0" smtClean="0"/>
-              <a:t>でも文字が読めるように漢字を使用していません。</a:t>
-            </a:r>
+              <a:t>セリフにはヨコアリくんの</a:t>
+            </a:r>
+            <a:r>
+              <a:rPr kumimoji="1" lang="en-US" altLang="ja-JP" dirty="0" smtClean="0"/>
+              <a:t>SNS</a:t>
+            </a:r>
+            <a:r>
+              <a:rPr kumimoji="1" lang="ja-JP" altLang="en-US" dirty="0" err="1" smtClean="0"/>
+              <a:t>での</a:t>
+            </a:r>
+            <a:r>
+              <a:rPr kumimoji="1" lang="ja-JP" altLang="en-US" dirty="0" smtClean="0"/>
+              <a:t>実際の喋り方や口調を再現しています。</a:t>
+            </a:r>
+            <a:endParaRPr kumimoji="1" lang="en-US" altLang="ja-JP" dirty="0" smtClean="0"/>
+          </a:p>
+          <a:p>
+            <a:r>
+              <a:rPr kumimoji="1" lang="ja-JP" altLang="en-US" dirty="0" smtClean="0"/>
+              <a:t>ヨコアリくんは所々上から目線です。</a:t>
+            </a:r>
+            <a:endParaRPr kumimoji="1" lang="en-US" altLang="ja-JP" dirty="0" smtClean="0"/>
+          </a:p>
+          <a:p>
+            <a:r>
+              <a:rPr kumimoji="1" lang="ja-JP" altLang="en-US" dirty="0" smtClean="0"/>
+              <a:t>子供が自ら読めるようにし、さらに親御さんが読み聞かせできるように漢字を使用していません。</a:t>
+            </a:r>
+            <a:endParaRPr kumimoji="1" lang="en-US" altLang="ja-JP" dirty="0" smtClean="0"/>
+          </a:p>
+          <a:p>
+            <a:endParaRPr kumimoji="1" lang="ja-JP" altLang="en-US" dirty="0" smtClean="0"/>
           </a:p>
         </p:txBody>
       </p:sp>
@@ -945,7 +993,48 @@
           <a:p>
             <a:r>
               <a:rPr kumimoji="1" lang="ja-JP" altLang="en-US" dirty="0" smtClean="0"/>
-              <a:t>ターゲット通り親子連れが遊びに来ていて、協力プレイする親子もいれば競争して探すという親子がおりました。妖怪ウォッチのイベント後に来てくれる方やイベント前に来てくれる方がいました。</a:t>
+              <a:t>ターゲット通り親子連れが遊びに来ていて</a:t>
+            </a:r>
+            <a:r>
+              <a:rPr kumimoji="1" lang="ja-JP" altLang="en-US" dirty="0" smtClean="0"/>
+              <a:t>、</a:t>
+            </a:r>
+            <a:endParaRPr kumimoji="1" lang="en-US" altLang="ja-JP" dirty="0" smtClean="0"/>
+          </a:p>
+          <a:p>
+            <a:r>
+              <a:rPr kumimoji="1" lang="ja-JP" altLang="en-US" dirty="0" smtClean="0"/>
+              <a:t>協力</a:t>
+            </a:r>
+            <a:r>
+              <a:rPr kumimoji="1" lang="ja-JP" altLang="en-US" dirty="0" smtClean="0"/>
+              <a:t>プレイする親子もいれば競争して探すという親子がおりました</a:t>
+            </a:r>
+            <a:r>
+              <a:rPr kumimoji="1" lang="ja-JP" altLang="en-US" dirty="0" smtClean="0"/>
+              <a:t>。</a:t>
+            </a:r>
+            <a:endParaRPr kumimoji="1" lang="en-US" altLang="ja-JP" dirty="0" smtClean="0"/>
+          </a:p>
+          <a:p>
+            <a:r>
+              <a:rPr kumimoji="1" lang="ja-JP" altLang="en-US" dirty="0" smtClean="0"/>
+              <a:t>妖怪</a:t>
+            </a:r>
+            <a:r>
+              <a:rPr kumimoji="1" lang="ja-JP" altLang="en-US" dirty="0" smtClean="0"/>
+              <a:t>ウォッチのイベント後に来てくれる方やイベント前に来てくれる方がいました</a:t>
+            </a:r>
+            <a:r>
+              <a:rPr kumimoji="1" lang="ja-JP" altLang="en-US" dirty="0" smtClean="0"/>
+              <a:t>。</a:t>
+            </a:r>
+            <a:endParaRPr kumimoji="1" lang="en-US" altLang="ja-JP" dirty="0" smtClean="0"/>
+          </a:p>
+          <a:p>
+            <a:r>
+              <a:rPr kumimoji="1" lang="ja-JP" altLang="en-US" dirty="0" smtClean="0"/>
+              <a:t>イベント後は特にお客様の列ができるほどにぎわいました。</a:t>
             </a:r>
             <a:endParaRPr kumimoji="1" lang="ja-JP" altLang="en-US" dirty="0"/>
           </a:p>
@@ -1047,7 +1136,11 @@
           <a:p>
             <a:r>
               <a:rPr kumimoji="1" lang="ja-JP" altLang="en-US" dirty="0" smtClean="0"/>
-              <a:t>操作がしづらいという子も中にはいたので、</a:t>
+              <a:t>マウスの操作</a:t>
+            </a:r>
+            <a:r>
+              <a:rPr kumimoji="1" lang="ja-JP" altLang="en-US" dirty="0" smtClean="0"/>
+              <a:t>がしづらいという子も中にはいたので、</a:t>
             </a:r>
           </a:p>
           <a:p>
@@ -5123,14 +5216,7 @@
                 <a:latin typeface="HGS創英角ﾎﾟｯﾌﾟ体" panose="040B0A00000000000000" pitchFamily="50" charset="-128"/>
                 <a:ea typeface="HGS創英角ﾎﾟｯﾌﾟ体" panose="040B0A00000000000000" pitchFamily="50" charset="-128"/>
               </a:rPr>
-              <a:t>子供にわかる</a:t>
-            </a:r>
-            <a:r>
-              <a:rPr lang="ja-JP" altLang="en-US" sz="3200" dirty="0" smtClean="0">
-                <a:latin typeface="HGS創英角ﾎﾟｯﾌﾟ体" panose="040B0A00000000000000" pitchFamily="50" charset="-128"/>
-                <a:ea typeface="HGS創英角ﾎﾟｯﾌﾟ体" panose="040B0A00000000000000" pitchFamily="50" charset="-128"/>
-              </a:rPr>
-              <a:t>ようなシンプルな操作性</a:t>
+              <a:t>子供にわかるようなシンプルな操作性</a:t>
             </a:r>
             <a:endParaRPr lang="en-US" altLang="ja-JP" sz="3200" dirty="0" smtClean="0">
               <a:latin typeface="HGS創英角ﾎﾟｯﾌﾟ体" panose="040B0A00000000000000" pitchFamily="50" charset="-128"/>
@@ -5150,14 +5236,7 @@
                 <a:latin typeface="HGS創英角ﾎﾟｯﾌﾟ体" panose="040B0A00000000000000" pitchFamily="50" charset="-128"/>
                 <a:ea typeface="HGS創英角ﾎﾟｯﾌﾟ体" panose="040B0A00000000000000" pitchFamily="50" charset="-128"/>
               </a:rPr>
-              <a:t>大人も一緒に探せるような</a:t>
-            </a:r>
-            <a:r>
-              <a:rPr lang="ja-JP" altLang="en-US" sz="3200" dirty="0" smtClean="0">
-                <a:latin typeface="HGS創英角ﾎﾟｯﾌﾟ体" panose="040B0A00000000000000" pitchFamily="50" charset="-128"/>
-                <a:ea typeface="HGS創英角ﾎﾟｯﾌﾟ体" panose="040B0A00000000000000" pitchFamily="50" charset="-128"/>
-              </a:rPr>
-              <a:t>むずかしさ</a:t>
+              <a:t>大人も一緒に探せるようなむずかしさ</a:t>
             </a:r>
             <a:endParaRPr lang="en-US" altLang="ja-JP" sz="3200" dirty="0" smtClean="0">
               <a:latin typeface="HGS創英角ﾎﾟｯﾌﾟ体" panose="040B0A00000000000000" pitchFamily="50" charset="-128"/>
@@ -5329,21 +5408,7 @@
                 <a:latin typeface="HGS創英角ﾎﾟｯﾌﾟ体" panose="040B0A00000000000000" pitchFamily="50" charset="-128"/>
                 <a:ea typeface="HGS創英角ﾎﾟｯﾌﾟ体" panose="040B0A00000000000000" pitchFamily="50" charset="-128"/>
               </a:rPr>
-              <a:t>ノベル</a:t>
-            </a:r>
-            <a:r>
-              <a:rPr lang="ja-JP" altLang="en-US" sz="3200" dirty="0" smtClean="0">
-                <a:latin typeface="HGS創英角ﾎﾟｯﾌﾟ体" panose="040B0A00000000000000" pitchFamily="50" charset="-128"/>
-                <a:ea typeface="HGS創英角ﾎﾟｯﾌﾟ体" panose="040B0A00000000000000" pitchFamily="50" charset="-128"/>
-              </a:rPr>
-              <a:t>を挟みキャラクター</a:t>
-            </a:r>
-            <a:r>
-              <a:rPr lang="ja-JP" altLang="en-US" sz="3200" dirty="0" smtClean="0">
-                <a:latin typeface="HGS創英角ﾎﾟｯﾌﾟ体" panose="040B0A00000000000000" pitchFamily="50" charset="-128"/>
-                <a:ea typeface="HGS創英角ﾎﾟｯﾌﾟ体" panose="040B0A00000000000000" pitchFamily="50" charset="-128"/>
-              </a:rPr>
-              <a:t>を</a:t>
+              <a:t>ノベルを挟みキャラクターを</a:t>
             </a:r>
             <a:r>
               <a:rPr lang="ja-JP" altLang="en-US" sz="3200" dirty="0">
@@ -5565,14 +5630,7 @@
                 <a:latin typeface="HGS創英角ﾎﾟｯﾌﾟ体" panose="040B0A00000000000000" pitchFamily="50" charset="-128"/>
                 <a:ea typeface="HGS創英角ﾎﾟｯﾌﾟ体" panose="040B0A00000000000000" pitchFamily="50" charset="-128"/>
               </a:rPr>
-              <a:t>に楽しんでくれた</a:t>
-            </a:r>
-            <a:r>
-              <a:rPr lang="ja-JP" altLang="en-US" sz="3200" dirty="0" smtClean="0">
-                <a:latin typeface="HGS創英角ﾎﾟｯﾌﾟ体" panose="040B0A00000000000000" pitchFamily="50" charset="-128"/>
-                <a:ea typeface="HGS創英角ﾎﾟｯﾌﾟ体" panose="040B0A00000000000000" pitchFamily="50" charset="-128"/>
-              </a:rPr>
-              <a:t>。</a:t>
+              <a:t>に楽しんでくれた。</a:t>
             </a:r>
             <a:endParaRPr kumimoji="1" lang="en-US" altLang="ja-JP" sz="3200" dirty="0">
               <a:latin typeface="HGS創英角ﾎﾟｯﾌﾟ体" panose="040B0A00000000000000" pitchFamily="50" charset="-128"/>
@@ -5585,14 +5643,7 @@
                 <a:latin typeface="HGS創英角ﾎﾟｯﾌﾟ体" panose="040B0A00000000000000" pitchFamily="50" charset="-128"/>
                 <a:ea typeface="HGS創英角ﾎﾟｯﾌﾟ体" panose="040B0A00000000000000" pitchFamily="50" charset="-128"/>
               </a:rPr>
-              <a:t>妖怪ウォッチのイベント前</a:t>
-            </a:r>
-            <a:r>
-              <a:rPr kumimoji="1" lang="ja-JP" altLang="en-US" sz="3200" dirty="0" smtClean="0">
-                <a:latin typeface="HGS創英角ﾎﾟｯﾌﾟ体" panose="040B0A00000000000000" pitchFamily="50" charset="-128"/>
-                <a:ea typeface="HGS創英角ﾎﾟｯﾌﾟ体" panose="040B0A00000000000000" pitchFamily="50" charset="-128"/>
-              </a:rPr>
-              <a:t>や</a:t>
+              <a:t>妖怪ウォッチのイベント前や</a:t>
             </a:r>
             <a:endParaRPr kumimoji="1" lang="en-US" altLang="ja-JP" sz="3200" dirty="0" smtClean="0">
               <a:latin typeface="HGS創英角ﾎﾟｯﾌﾟ体" panose="040B0A00000000000000" pitchFamily="50" charset="-128"/>
@@ -5629,14 +5680,7 @@
                 <a:latin typeface="HGS創英角ﾎﾟｯﾌﾟ体" panose="040B0A00000000000000" pitchFamily="50" charset="-128"/>
                 <a:ea typeface="HGS創英角ﾎﾟｯﾌﾟ体" panose="040B0A00000000000000" pitchFamily="50" charset="-128"/>
               </a:rPr>
-              <a:t>イベント後</a:t>
-            </a:r>
-            <a:r>
-              <a:rPr kumimoji="1" lang="ja-JP" altLang="en-US" sz="3200" dirty="0" smtClean="0">
-                <a:latin typeface="HGS創英角ﾎﾟｯﾌﾟ体" panose="040B0A00000000000000" pitchFamily="50" charset="-128"/>
-                <a:ea typeface="HGS創英角ﾎﾟｯﾌﾟ体" panose="040B0A00000000000000" pitchFamily="50" charset="-128"/>
-              </a:rPr>
-              <a:t>にお客様が来てくれた</a:t>
+              <a:t>イベント後にお客様が来てくれた</a:t>
             </a:r>
             <a:endParaRPr kumimoji="1" lang="ja-JP" altLang="en-US" sz="3200" dirty="0">
               <a:latin typeface="HGS創英角ﾎﾟｯﾌﾟ体" panose="040B0A00000000000000" pitchFamily="50" charset="-128"/>
@@ -5907,14 +5951,7 @@
                 <a:latin typeface="HGS創英角ﾎﾟｯﾌﾟ体" panose="040B0A00000000000000" pitchFamily="50" charset="-128"/>
                 <a:ea typeface="HGS創英角ﾎﾟｯﾌﾟ体" panose="040B0A00000000000000" pitchFamily="50" charset="-128"/>
               </a:rPr>
-              <a:t>ターゲットの年齢が想定していた</a:t>
-            </a:r>
-            <a:r>
-              <a:rPr kumimoji="1" lang="ja-JP" altLang="en-US" sz="3600" dirty="0" smtClean="0">
-                <a:latin typeface="HGS創英角ﾎﾟｯﾌﾟ体" panose="040B0A00000000000000" pitchFamily="50" charset="-128"/>
-                <a:ea typeface="HGS創英角ﾎﾟｯﾌﾟ体" panose="040B0A00000000000000" pitchFamily="50" charset="-128"/>
-              </a:rPr>
-              <a:t>より</a:t>
+              <a:t>ターゲットの年齢が想定していたより</a:t>
             </a:r>
             <a:endParaRPr kumimoji="1" lang="en-US" altLang="ja-JP" sz="3600" dirty="0" smtClean="0">
               <a:latin typeface="HGS創英角ﾎﾟｯﾌﾟ体" panose="040B0A00000000000000" pitchFamily="50" charset="-128"/>
@@ -5937,30 +5974,30 @@
                 <a:latin typeface="HGS創英角ﾎﾟｯﾌﾟ体" panose="040B0A00000000000000" pitchFamily="50" charset="-128"/>
                 <a:ea typeface="HGS創英角ﾎﾟｯﾌﾟ体" panose="040B0A00000000000000" pitchFamily="50" charset="-128"/>
               </a:rPr>
-              <a:t>下回って</a:t>
-            </a:r>
+              <a:t>下回ってしまった。</a:t>
+            </a:r>
+            <a:endParaRPr kumimoji="1" lang="en-US" altLang="ja-JP" sz="3600" dirty="0" smtClean="0">
+              <a:latin typeface="HGS創英角ﾎﾟｯﾌﾟ体" panose="040B0A00000000000000" pitchFamily="50" charset="-128"/>
+              <a:ea typeface="HGS創英角ﾎﾟｯﾌﾟ体" panose="040B0A00000000000000" pitchFamily="50" charset="-128"/>
+            </a:endParaRPr>
+          </a:p>
+          <a:p>
+            <a:endParaRPr lang="en-US" altLang="ja-JP" sz="3600" dirty="0"/>
+          </a:p>
+          <a:p>
             <a:r>
               <a:rPr kumimoji="1" lang="ja-JP" altLang="en-US" sz="3600" dirty="0" smtClean="0">
                 <a:latin typeface="HGS創英角ﾎﾟｯﾌﾟ体" panose="040B0A00000000000000" pitchFamily="50" charset="-128"/>
                 <a:ea typeface="HGS創英角ﾎﾟｯﾌﾟ体" panose="040B0A00000000000000" pitchFamily="50" charset="-128"/>
               </a:rPr>
-              <a:t>しまった。</a:t>
-            </a:r>
-            <a:endParaRPr kumimoji="1" lang="en-US" altLang="ja-JP" sz="3600" dirty="0" smtClean="0">
-              <a:latin typeface="HGS創英角ﾎﾟｯﾌﾟ体" panose="040B0A00000000000000" pitchFamily="50" charset="-128"/>
-              <a:ea typeface="HGS創英角ﾎﾟｯﾌﾟ体" panose="040B0A00000000000000" pitchFamily="50" charset="-128"/>
-            </a:endParaRPr>
-          </a:p>
-          <a:p>
-            <a:endParaRPr lang="en-US" altLang="ja-JP" sz="3600" dirty="0"/>
-          </a:p>
-          <a:p>
+              <a:t>マウスの操作</a:t>
+            </a:r>
             <a:r>
               <a:rPr kumimoji="1" lang="ja-JP" altLang="en-US" sz="3600" dirty="0" smtClean="0">
                 <a:latin typeface="HGS創英角ﾎﾟｯﾌﾟ体" panose="040B0A00000000000000" pitchFamily="50" charset="-128"/>
                 <a:ea typeface="HGS創英角ﾎﾟｯﾌﾟ体" panose="040B0A00000000000000" pitchFamily="50" charset="-128"/>
               </a:rPr>
-              <a:t>操作がしづらいという子がいた</a:t>
+              <a:t>がしづらいという子がいた</a:t>
             </a:r>
             <a:endParaRPr kumimoji="1" lang="ja-JP" altLang="en-US" sz="3600" dirty="0">
               <a:latin typeface="HGS創英角ﾎﾟｯﾌﾟ体" panose="040B0A00000000000000" pitchFamily="50" charset="-128"/>

--- a/よこありくんのプレゼンa.pptx
+++ b/よこありくんのプレゼンa.pptx
@@ -756,11 +756,7 @@
           <a:p>
             <a:r>
               <a:rPr kumimoji="1" lang="ja-JP" altLang="en-US" dirty="0" smtClean="0"/>
-              <a:t>親子や友達と一緒</a:t>
-            </a:r>
-            <a:r>
-              <a:rPr kumimoji="1" lang="ja-JP" altLang="en-US" dirty="0" smtClean="0"/>
-              <a:t>に決められたヨコアリくんを探す遊びで</a:t>
+              <a:t>親子や友達と一緒に決められたヨコアリくんを探す遊びで</a:t>
             </a:r>
             <a:endParaRPr kumimoji="1" lang="en-US" altLang="ja-JP" dirty="0" smtClean="0"/>
           </a:p>
@@ -993,41 +989,21 @@
           <a:p>
             <a:r>
               <a:rPr kumimoji="1" lang="ja-JP" altLang="en-US" dirty="0" smtClean="0"/>
-              <a:t>ターゲット通り親子連れが遊びに来ていて</a:t>
-            </a:r>
+              <a:t>ターゲット通り親子連れが遊びに来ていて、</a:t>
+            </a:r>
+            <a:endParaRPr kumimoji="1" lang="en-US" altLang="ja-JP" dirty="0" smtClean="0"/>
+          </a:p>
+          <a:p>
             <a:r>
               <a:rPr kumimoji="1" lang="ja-JP" altLang="en-US" dirty="0" smtClean="0"/>
-              <a:t>、</a:t>
+              <a:t>協力プレイする親子もいれば競争して探すという親子がおりました。</a:t>
             </a:r>
             <a:endParaRPr kumimoji="1" lang="en-US" altLang="ja-JP" dirty="0" smtClean="0"/>
           </a:p>
           <a:p>
             <a:r>
               <a:rPr kumimoji="1" lang="ja-JP" altLang="en-US" dirty="0" smtClean="0"/>
-              <a:t>協力</a:t>
-            </a:r>
-            <a:r>
-              <a:rPr kumimoji="1" lang="ja-JP" altLang="en-US" dirty="0" smtClean="0"/>
-              <a:t>プレイする親子もいれば競争して探すという親子がおりました</a:t>
-            </a:r>
-            <a:r>
-              <a:rPr kumimoji="1" lang="ja-JP" altLang="en-US" dirty="0" smtClean="0"/>
-              <a:t>。</a:t>
-            </a:r>
-            <a:endParaRPr kumimoji="1" lang="en-US" altLang="ja-JP" dirty="0" smtClean="0"/>
-          </a:p>
-          <a:p>
-            <a:r>
-              <a:rPr kumimoji="1" lang="ja-JP" altLang="en-US" dirty="0" smtClean="0"/>
-              <a:t>妖怪</a:t>
-            </a:r>
-            <a:r>
-              <a:rPr kumimoji="1" lang="ja-JP" altLang="en-US" dirty="0" smtClean="0"/>
-              <a:t>ウォッチのイベント後に来てくれる方やイベント前に来てくれる方がいました</a:t>
-            </a:r>
-            <a:r>
-              <a:rPr kumimoji="1" lang="ja-JP" altLang="en-US" dirty="0" smtClean="0"/>
-              <a:t>。</a:t>
+              <a:t>妖怪ウォッチのイベント後に来てくれる方やイベント前に来てくれる方がいました。</a:t>
             </a:r>
             <a:endParaRPr kumimoji="1" lang="en-US" altLang="ja-JP" dirty="0" smtClean="0"/>
           </a:p>
@@ -1136,11 +1112,7 @@
           <a:p>
             <a:r>
               <a:rPr kumimoji="1" lang="ja-JP" altLang="en-US" dirty="0" smtClean="0"/>
-              <a:t>マウスの操作</a:t>
-            </a:r>
-            <a:r>
-              <a:rPr kumimoji="1" lang="ja-JP" altLang="en-US" dirty="0" smtClean="0"/>
-              <a:t>がしづらいという子も中にはいたので、</a:t>
+              <a:t>マウスの操作がしづらいという子も中にはいたので、</a:t>
             </a:r>
           </a:p>
           <a:p>
@@ -5990,14 +5962,7 @@
                 <a:latin typeface="HGS創英角ﾎﾟｯﾌﾟ体" panose="040B0A00000000000000" pitchFamily="50" charset="-128"/>
                 <a:ea typeface="HGS創英角ﾎﾟｯﾌﾟ体" panose="040B0A00000000000000" pitchFamily="50" charset="-128"/>
               </a:rPr>
-              <a:t>マウスの操作</a:t>
-            </a:r>
-            <a:r>
-              <a:rPr kumimoji="1" lang="ja-JP" altLang="en-US" sz="3600" dirty="0" smtClean="0">
-                <a:latin typeface="HGS創英角ﾎﾟｯﾌﾟ体" panose="040B0A00000000000000" pitchFamily="50" charset="-128"/>
-                <a:ea typeface="HGS創英角ﾎﾟｯﾌﾟ体" panose="040B0A00000000000000" pitchFamily="50" charset="-128"/>
-              </a:rPr>
-              <a:t>がしづらいという子がいた</a:t>
+              <a:t>マウスの操作がしづらいという子がいた</a:t>
             </a:r>
             <a:endParaRPr kumimoji="1" lang="ja-JP" altLang="en-US" sz="3600" dirty="0">
               <a:latin typeface="HGS創英角ﾎﾟｯﾌﾟ体" panose="040B0A00000000000000" pitchFamily="50" charset="-128"/>
@@ -6156,6 +6121,68 @@
               <a:t>まとめ</a:t>
             </a:r>
             <a:endParaRPr kumimoji="1" lang="ja-JP" altLang="en-US" b="1" dirty="0">
+              <a:latin typeface="HGS創英角ﾎﾟｯﾌﾟ体" panose="040B0A00000000000000" pitchFamily="50" charset="-128"/>
+              <a:ea typeface="HGS創英角ﾎﾟｯﾌﾟ体" panose="040B0A00000000000000" pitchFamily="50" charset="-128"/>
+            </a:endParaRPr>
+          </a:p>
+        </p:txBody>
+      </p:sp>
+      <p:sp>
+        <p:nvSpPr>
+          <p:cNvPr id="6" name="タイトル 2"/>
+          <p:cNvSpPr txBox="1">
+            <a:spLocks/>
+          </p:cNvSpPr>
+          <p:nvPr/>
+        </p:nvSpPr>
+        <p:spPr>
+          <a:xfrm>
+            <a:off x="1676400" y="3167744"/>
+            <a:ext cx="10515600" cy="1325563"/>
+          </a:xfrm>
+          <a:prstGeom prst="rect">
+            <a:avLst/>
+          </a:prstGeom>
+        </p:spPr>
+        <p:txBody>
+          <a:bodyPr vert="horz" lIns="91440" tIns="45720" rIns="91440" bIns="45720" rtlCol="0" anchor="ctr">
+            <a:normAutofit/>
+          </a:bodyPr>
+          <a:lstStyle>
+            <a:lvl1pPr algn="l" defTabSz="914400" rtl="0" eaLnBrk="1" latinLnBrk="0" hangingPunct="1">
+              <a:lnSpc>
+                <a:spcPct val="90000"/>
+              </a:lnSpc>
+              <a:spcBef>
+                <a:spcPct val="0"/>
+              </a:spcBef>
+              <a:buNone/>
+              <a:defRPr kumimoji="1" sz="4400" kern="1200">
+                <a:solidFill>
+                  <a:schemeClr val="tx1"/>
+                </a:solidFill>
+                <a:latin typeface="+mj-lt"/>
+                <a:ea typeface="+mj-ea"/>
+                <a:cs typeface="+mj-cs"/>
+              </a:defRPr>
+            </a:lvl1pPr>
+          </a:lstStyle>
+          <a:p>
+            <a:r>
+              <a:rPr lang="en-US" altLang="ja-JP" b="1" smtClean="0">
+                <a:latin typeface="HGS創英角ﾎﾟｯﾌﾟ体" panose="040B0A00000000000000" pitchFamily="50" charset="-128"/>
+                <a:ea typeface="HGS創英角ﾎﾟｯﾌﾟ体" panose="040B0A00000000000000" pitchFamily="50" charset="-128"/>
+              </a:rPr>
+              <a:t>I</a:t>
+            </a:r>
+            <a:r>
+              <a:rPr lang="en-US" altLang="ja-JP" b="1">
+                <a:latin typeface="HGS創英角ﾎﾟｯﾌﾟ体" panose="040B0A00000000000000" pitchFamily="50" charset="-128"/>
+                <a:ea typeface="HGS創英角ﾎﾟｯﾌﾟ体" panose="040B0A00000000000000" pitchFamily="50" charset="-128"/>
+              </a:rPr>
+              <a:t>K</a:t>
+            </a:r>
+            <a:endParaRPr lang="ja-JP" altLang="en-US" b="1" dirty="0">
               <a:latin typeface="HGS創英角ﾎﾟｯﾌﾟ体" panose="040B0A00000000000000" pitchFamily="50" charset="-128"/>
               <a:ea typeface="HGS創英角ﾎﾟｯﾌﾟ体" panose="040B0A00000000000000" pitchFamily="50" charset="-128"/>
             </a:endParaRPr>

--- a/よこありくんのプレゼンa.pptx
+++ b/よこありくんのプレゼンa.pptx
@@ -756,11 +756,7 @@
           <a:p>
             <a:r>
               <a:rPr kumimoji="1" lang="ja-JP" altLang="en-US" dirty="0" smtClean="0"/>
-              <a:t>親子や友達と一緒</a:t>
-            </a:r>
-            <a:r>
-              <a:rPr kumimoji="1" lang="ja-JP" altLang="en-US" dirty="0" smtClean="0"/>
-              <a:t>に決められたヨコアリくんを探す遊びで</a:t>
+              <a:t>親子や友達と一緒に決められたヨコアリくんを探す遊びで</a:t>
             </a:r>
             <a:endParaRPr kumimoji="1" lang="en-US" altLang="ja-JP" dirty="0" smtClean="0"/>
           </a:p>
@@ -993,41 +989,21 @@
           <a:p>
             <a:r>
               <a:rPr kumimoji="1" lang="ja-JP" altLang="en-US" dirty="0" smtClean="0"/>
-              <a:t>ターゲット通り親子連れが遊びに来ていて</a:t>
-            </a:r>
+              <a:t>ターゲット通り親子連れが遊びに来ていて、</a:t>
+            </a:r>
+            <a:endParaRPr kumimoji="1" lang="en-US" altLang="ja-JP" dirty="0" smtClean="0"/>
+          </a:p>
+          <a:p>
             <a:r>
               <a:rPr kumimoji="1" lang="ja-JP" altLang="en-US" dirty="0" smtClean="0"/>
-              <a:t>、</a:t>
+              <a:t>協力プレイする親子もいれば競争して探すという親子がおりました。</a:t>
             </a:r>
             <a:endParaRPr kumimoji="1" lang="en-US" altLang="ja-JP" dirty="0" smtClean="0"/>
           </a:p>
           <a:p>
             <a:r>
               <a:rPr kumimoji="1" lang="ja-JP" altLang="en-US" dirty="0" smtClean="0"/>
-              <a:t>協力</a:t>
-            </a:r>
-            <a:r>
-              <a:rPr kumimoji="1" lang="ja-JP" altLang="en-US" dirty="0" smtClean="0"/>
-              <a:t>プレイする親子もいれば競争して探すという親子がおりました</a:t>
-            </a:r>
-            <a:r>
-              <a:rPr kumimoji="1" lang="ja-JP" altLang="en-US" dirty="0" smtClean="0"/>
-              <a:t>。</a:t>
-            </a:r>
-            <a:endParaRPr kumimoji="1" lang="en-US" altLang="ja-JP" dirty="0" smtClean="0"/>
-          </a:p>
-          <a:p>
-            <a:r>
-              <a:rPr kumimoji="1" lang="ja-JP" altLang="en-US" dirty="0" smtClean="0"/>
-              <a:t>妖怪</a:t>
-            </a:r>
-            <a:r>
-              <a:rPr kumimoji="1" lang="ja-JP" altLang="en-US" dirty="0" smtClean="0"/>
-              <a:t>ウォッチのイベント後に来てくれる方やイベント前に来てくれる方がいました</a:t>
-            </a:r>
-            <a:r>
-              <a:rPr kumimoji="1" lang="ja-JP" altLang="en-US" dirty="0" smtClean="0"/>
-              <a:t>。</a:t>
+              <a:t>妖怪ウォッチのイベント後に来てくれる方やイベント前に来てくれる方がいました。</a:t>
             </a:r>
             <a:endParaRPr kumimoji="1" lang="en-US" altLang="ja-JP" dirty="0" smtClean="0"/>
           </a:p>
@@ -1136,11 +1112,7 @@
           <a:p>
             <a:r>
               <a:rPr kumimoji="1" lang="ja-JP" altLang="en-US" dirty="0" smtClean="0"/>
-              <a:t>マウスの操作</a:t>
-            </a:r>
-            <a:r>
-              <a:rPr kumimoji="1" lang="ja-JP" altLang="en-US" dirty="0" smtClean="0"/>
-              <a:t>がしづらいという子も中にはいたので、</a:t>
+              <a:t>マウスの操作がしづらいという子も中にはいたので、</a:t>
             </a:r>
           </a:p>
           <a:p>
@@ -1181,6 +1153,101 @@
     <p:extLst>
       <p:ext uri="{BB962C8B-B14F-4D97-AF65-F5344CB8AC3E}">
         <p14:creationId xmlns:p14="http://schemas.microsoft.com/office/powerpoint/2010/main" val="3018267495"/>
+      </p:ext>
+    </p:extLst>
+  </p:cSld>
+  <p:clrMapOvr>
+    <a:masterClrMapping/>
+  </p:clrMapOvr>
+</p:notes>
+</file>
+
+<file path=ppt/notesSlides/notesSlide7.xml><?xml version="1.0" encoding="utf-8"?>
+<p:notes xmlns:a="http://schemas.openxmlformats.org/drawingml/2006/main" xmlns:r="http://schemas.openxmlformats.org/officeDocument/2006/relationships" xmlns:p="http://schemas.openxmlformats.org/presentationml/2006/main">
+  <p:cSld>
+    <p:spTree>
+      <p:nvGrpSpPr>
+        <p:cNvPr id="1" name=""/>
+        <p:cNvGrpSpPr/>
+        <p:nvPr/>
+      </p:nvGrpSpPr>
+      <p:grpSpPr>
+        <a:xfrm>
+          <a:off x="0" y="0"/>
+          <a:ext cx="0" cy="0"/>
+          <a:chOff x="0" y="0"/>
+          <a:chExt cx="0" cy="0"/>
+        </a:xfrm>
+      </p:grpSpPr>
+      <p:sp>
+        <p:nvSpPr>
+          <p:cNvPr id="2" name="スライド イメージ プレースホルダー 1"/>
+          <p:cNvSpPr>
+            <a:spLocks noGrp="1" noRot="1" noChangeAspect="1"/>
+          </p:cNvSpPr>
+          <p:nvPr>
+            <p:ph type="sldImg"/>
+          </p:nvPr>
+        </p:nvSpPr>
+        <p:spPr/>
+      </p:sp>
+      <p:sp>
+        <p:nvSpPr>
+          <p:cNvPr id="3" name="ノート プレースホルダー 2"/>
+          <p:cNvSpPr>
+            <a:spLocks noGrp="1"/>
+          </p:cNvSpPr>
+          <p:nvPr>
+            <p:ph type="body" idx="1"/>
+          </p:nvPr>
+        </p:nvSpPr>
+        <p:spPr/>
+        <p:txBody>
+          <a:bodyPr/>
+          <a:lstStyle/>
+          <a:p>
+            <a:r>
+              <a:rPr kumimoji="1" lang="ja-JP" altLang="en-US" dirty="0" smtClean="0"/>
+              <a:t>まとめ　リフレクションで出た改善点をゲームに取り入れ</a:t>
+            </a:r>
+            <a:endParaRPr kumimoji="1" lang="en-US" altLang="ja-JP" dirty="0" smtClean="0"/>
+          </a:p>
+          <a:p>
+            <a:r>
+              <a:rPr kumimoji="1" lang="ja-JP" altLang="en-US" smtClean="0"/>
+              <a:t>タッチ操作のできるようにしたいです。</a:t>
+            </a:r>
+            <a:endParaRPr kumimoji="1" lang="en-US" altLang="ja-JP" smtClean="0"/>
+          </a:p>
+        </p:txBody>
+      </p:sp>
+      <p:sp>
+        <p:nvSpPr>
+          <p:cNvPr id="4" name="スライド番号プレースホルダー 3"/>
+          <p:cNvSpPr>
+            <a:spLocks noGrp="1"/>
+          </p:cNvSpPr>
+          <p:nvPr>
+            <p:ph type="sldNum" sz="quarter" idx="10"/>
+          </p:nvPr>
+        </p:nvSpPr>
+        <p:spPr/>
+        <p:txBody>
+          <a:bodyPr/>
+          <a:lstStyle/>
+          <a:p>
+            <a:fld id="{1939215B-7B04-4A9E-9AC2-62A29D898257}" type="slidenum">
+              <a:rPr kumimoji="1" lang="ja-JP" altLang="en-US" smtClean="0"/>
+              <a:t>8</a:t>
+            </a:fld>
+            <a:endParaRPr kumimoji="1" lang="ja-JP" altLang="en-US"/>
+          </a:p>
+        </p:txBody>
+      </p:sp>
+    </p:spTree>
+    <p:extLst>
+      <p:ext uri="{BB962C8B-B14F-4D97-AF65-F5344CB8AC3E}">
+        <p14:creationId xmlns:p14="http://schemas.microsoft.com/office/powerpoint/2010/main" val="1406778507"/>
       </p:ext>
     </p:extLst>
   </p:cSld>
@@ -5990,14 +6057,7 @@
                 <a:latin typeface="HGS創英角ﾎﾟｯﾌﾟ体" panose="040B0A00000000000000" pitchFamily="50" charset="-128"/>
                 <a:ea typeface="HGS創英角ﾎﾟｯﾌﾟ体" panose="040B0A00000000000000" pitchFamily="50" charset="-128"/>
               </a:rPr>
-              <a:t>マウスの操作</a:t>
-            </a:r>
-            <a:r>
-              <a:rPr kumimoji="1" lang="ja-JP" altLang="en-US" sz="3600" dirty="0" smtClean="0">
-                <a:latin typeface="HGS創英角ﾎﾟｯﾌﾟ体" panose="040B0A00000000000000" pitchFamily="50" charset="-128"/>
-                <a:ea typeface="HGS創英角ﾎﾟｯﾌﾟ体" panose="040B0A00000000000000" pitchFamily="50" charset="-128"/>
-              </a:rPr>
-              <a:t>がしづらいという子がいた</a:t>
+              <a:t>マウスの操作がしづらいという子がいた</a:t>
             </a:r>
             <a:endParaRPr kumimoji="1" lang="ja-JP" altLang="en-US" sz="3600" dirty="0">
               <a:latin typeface="HGS創英角ﾎﾟｯﾌﾟ体" panose="040B0A00000000000000" pitchFamily="50" charset="-128"/>
@@ -6140,7 +6200,7 @@
         </p:nvSpPr>
         <p:spPr>
           <a:xfrm>
-            <a:off x="1310472" y="1148898"/>
+            <a:off x="1150984" y="851186"/>
             <a:ext cx="10515600" cy="1325563"/>
           </a:xfrm>
         </p:spPr>

--- a/よこありくんのプレゼンa.pptx
+++ b/よこありくんのプレゼンa.pptx
@@ -1153,6 +1153,101 @@
     <p:extLst>
       <p:ext uri="{BB962C8B-B14F-4D97-AF65-F5344CB8AC3E}">
         <p14:creationId xmlns:p14="http://schemas.microsoft.com/office/powerpoint/2010/main" val="3018267495"/>
+      </p:ext>
+    </p:extLst>
+  </p:cSld>
+  <p:clrMapOvr>
+    <a:masterClrMapping/>
+  </p:clrMapOvr>
+</p:notes>
+</file>
+
+<file path=ppt/notesSlides/notesSlide7.xml><?xml version="1.0" encoding="utf-8"?>
+<p:notes xmlns:a="http://schemas.openxmlformats.org/drawingml/2006/main" xmlns:r="http://schemas.openxmlformats.org/officeDocument/2006/relationships" xmlns:p="http://schemas.openxmlformats.org/presentationml/2006/main">
+  <p:cSld>
+    <p:spTree>
+      <p:nvGrpSpPr>
+        <p:cNvPr id="1" name=""/>
+        <p:cNvGrpSpPr/>
+        <p:nvPr/>
+      </p:nvGrpSpPr>
+      <p:grpSpPr>
+        <a:xfrm>
+          <a:off x="0" y="0"/>
+          <a:ext cx="0" cy="0"/>
+          <a:chOff x="0" y="0"/>
+          <a:chExt cx="0" cy="0"/>
+        </a:xfrm>
+      </p:grpSpPr>
+      <p:sp>
+        <p:nvSpPr>
+          <p:cNvPr id="2" name="スライド イメージ プレースホルダー 1"/>
+          <p:cNvSpPr>
+            <a:spLocks noGrp="1" noRot="1" noChangeAspect="1"/>
+          </p:cNvSpPr>
+          <p:nvPr>
+            <p:ph type="sldImg"/>
+          </p:nvPr>
+        </p:nvSpPr>
+        <p:spPr/>
+      </p:sp>
+      <p:sp>
+        <p:nvSpPr>
+          <p:cNvPr id="3" name="ノート プレースホルダー 2"/>
+          <p:cNvSpPr>
+            <a:spLocks noGrp="1"/>
+          </p:cNvSpPr>
+          <p:nvPr>
+            <p:ph type="body" idx="1"/>
+          </p:nvPr>
+        </p:nvSpPr>
+        <p:spPr/>
+        <p:txBody>
+          <a:bodyPr/>
+          <a:lstStyle/>
+          <a:p>
+            <a:r>
+              <a:rPr kumimoji="1" lang="ja-JP" altLang="en-US" dirty="0" smtClean="0"/>
+              <a:t>まとめ　リフレクションで出た改善点をゲームに取り入れ</a:t>
+            </a:r>
+            <a:endParaRPr kumimoji="1" lang="en-US" altLang="ja-JP" dirty="0" smtClean="0"/>
+          </a:p>
+          <a:p>
+            <a:r>
+              <a:rPr kumimoji="1" lang="ja-JP" altLang="en-US" smtClean="0"/>
+              <a:t>タッチ操作のできるようにしたいです。</a:t>
+            </a:r>
+            <a:endParaRPr kumimoji="1" lang="en-US" altLang="ja-JP" smtClean="0"/>
+          </a:p>
+        </p:txBody>
+      </p:sp>
+      <p:sp>
+        <p:nvSpPr>
+          <p:cNvPr id="4" name="スライド番号プレースホルダー 3"/>
+          <p:cNvSpPr>
+            <a:spLocks noGrp="1"/>
+          </p:cNvSpPr>
+          <p:nvPr>
+            <p:ph type="sldNum" sz="quarter" idx="10"/>
+          </p:nvPr>
+        </p:nvSpPr>
+        <p:spPr/>
+        <p:txBody>
+          <a:bodyPr/>
+          <a:lstStyle/>
+          <a:p>
+            <a:fld id="{1939215B-7B04-4A9E-9AC2-62A29D898257}" type="slidenum">
+              <a:rPr kumimoji="1" lang="ja-JP" altLang="en-US" smtClean="0"/>
+              <a:t>8</a:t>
+            </a:fld>
+            <a:endParaRPr kumimoji="1" lang="ja-JP" altLang="en-US"/>
+          </a:p>
+        </p:txBody>
+      </p:sp>
+    </p:spTree>
+    <p:extLst>
+      <p:ext uri="{BB962C8B-B14F-4D97-AF65-F5344CB8AC3E}">
+        <p14:creationId xmlns:p14="http://schemas.microsoft.com/office/powerpoint/2010/main" val="1406778507"/>
       </p:ext>
     </p:extLst>
   </p:cSld>
@@ -6105,7 +6200,7 @@
         </p:nvSpPr>
         <p:spPr>
           <a:xfrm>
-            <a:off x="1310472" y="1148898"/>
+            <a:off x="1150984" y="851186"/>
             <a:ext cx="10515600" cy="1325563"/>
           </a:xfrm>
         </p:spPr>
@@ -6121,68 +6216,6 @@
               <a:t>まとめ</a:t>
             </a:r>
             <a:endParaRPr kumimoji="1" lang="ja-JP" altLang="en-US" b="1" dirty="0">
-              <a:latin typeface="HGS創英角ﾎﾟｯﾌﾟ体" panose="040B0A00000000000000" pitchFamily="50" charset="-128"/>
-              <a:ea typeface="HGS創英角ﾎﾟｯﾌﾟ体" panose="040B0A00000000000000" pitchFamily="50" charset="-128"/>
-            </a:endParaRPr>
-          </a:p>
-        </p:txBody>
-      </p:sp>
-      <p:sp>
-        <p:nvSpPr>
-          <p:cNvPr id="6" name="タイトル 2"/>
-          <p:cNvSpPr txBox="1">
-            <a:spLocks/>
-          </p:cNvSpPr>
-          <p:nvPr/>
-        </p:nvSpPr>
-        <p:spPr>
-          <a:xfrm>
-            <a:off x="1676400" y="3167744"/>
-            <a:ext cx="10515600" cy="1325563"/>
-          </a:xfrm>
-          <a:prstGeom prst="rect">
-            <a:avLst/>
-          </a:prstGeom>
-        </p:spPr>
-        <p:txBody>
-          <a:bodyPr vert="horz" lIns="91440" tIns="45720" rIns="91440" bIns="45720" rtlCol="0" anchor="ctr">
-            <a:normAutofit/>
-          </a:bodyPr>
-          <a:lstStyle>
-            <a:lvl1pPr algn="l" defTabSz="914400" rtl="0" eaLnBrk="1" latinLnBrk="0" hangingPunct="1">
-              <a:lnSpc>
-                <a:spcPct val="90000"/>
-              </a:lnSpc>
-              <a:spcBef>
-                <a:spcPct val="0"/>
-              </a:spcBef>
-              <a:buNone/>
-              <a:defRPr kumimoji="1" sz="4400" kern="1200">
-                <a:solidFill>
-                  <a:schemeClr val="tx1"/>
-                </a:solidFill>
-                <a:latin typeface="+mj-lt"/>
-                <a:ea typeface="+mj-ea"/>
-                <a:cs typeface="+mj-cs"/>
-              </a:defRPr>
-            </a:lvl1pPr>
-          </a:lstStyle>
-          <a:p>
-            <a:r>
-              <a:rPr lang="en-US" altLang="ja-JP" b="1" smtClean="0">
-                <a:latin typeface="HGS創英角ﾎﾟｯﾌﾟ体" panose="040B0A00000000000000" pitchFamily="50" charset="-128"/>
-                <a:ea typeface="HGS創英角ﾎﾟｯﾌﾟ体" panose="040B0A00000000000000" pitchFamily="50" charset="-128"/>
-              </a:rPr>
-              <a:t>I</a:t>
-            </a:r>
-            <a:r>
-              <a:rPr lang="en-US" altLang="ja-JP" b="1">
-                <a:latin typeface="HGS創英角ﾎﾟｯﾌﾟ体" panose="040B0A00000000000000" pitchFamily="50" charset="-128"/>
-                <a:ea typeface="HGS創英角ﾎﾟｯﾌﾟ体" panose="040B0A00000000000000" pitchFamily="50" charset="-128"/>
-              </a:rPr>
-              <a:t>K</a:t>
-            </a:r>
-            <a:endParaRPr lang="ja-JP" altLang="en-US" b="1" dirty="0">
               <a:latin typeface="HGS創英角ﾎﾟｯﾌﾟ体" panose="040B0A00000000000000" pitchFamily="50" charset="-128"/>
               <a:ea typeface="HGS創英角ﾎﾟｯﾌﾟ体" panose="040B0A00000000000000" pitchFamily="50" charset="-128"/>
             </a:endParaRPr>

--- a/よこありくんのプレゼンa.pptx
+++ b/よこありくんのプレゼンa.pptx
@@ -4863,36 +4863,6 @@
       </p:sp>
       <p:pic>
         <p:nvPicPr>
-          <p:cNvPr id="7" name="図 6"/>
-          <p:cNvPicPr>
-            <a:picLocks noChangeAspect="1"/>
-          </p:cNvPicPr>
-          <p:nvPr/>
-        </p:nvPicPr>
-        <p:blipFill>
-          <a:blip r:embed="rId3" cstate="print">
-            <a:extLst>
-              <a:ext uri="{28A0092B-C50C-407E-A947-70E740481C1C}">
-                <a14:useLocalDpi xmlns:a14="http://schemas.microsoft.com/office/drawing/2010/main" val="0"/>
-              </a:ext>
-            </a:extLst>
-          </a:blip>
-          <a:stretch>
-            <a:fillRect/>
-          </a:stretch>
-        </p:blipFill>
-        <p:spPr>
-          <a:xfrm>
-            <a:off x="7102462" y="3611378"/>
-            <a:ext cx="2889283" cy="1797448"/>
-          </a:xfrm>
-          <a:prstGeom prst="rect">
-            <a:avLst/>
-          </a:prstGeom>
-        </p:spPr>
-      </p:pic>
-      <p:pic>
-        <p:nvPicPr>
           <p:cNvPr id="5" name="図 4"/>
           <p:cNvPicPr>
             <a:picLocks noChangeAspect="1"/>
@@ -4900,7 +4870,7 @@
           <p:nvPr/>
         </p:nvPicPr>
         <p:blipFill rotWithShape="1">
-          <a:blip r:embed="rId4">
+          <a:blip r:embed="rId3">
             <a:extLst>
               <a:ext uri="{28A0092B-C50C-407E-A947-70E740481C1C}">
                 <a14:useLocalDpi xmlns:a14="http://schemas.microsoft.com/office/drawing/2010/main" val="0"/>
@@ -4912,8 +4882,8 @@
         </p:blipFill>
         <p:spPr>
           <a:xfrm>
-            <a:off x="2257435" y="3611378"/>
-            <a:ext cx="2810877" cy="1678197"/>
+            <a:off x="1732609" y="3625309"/>
+            <a:ext cx="3631360" cy="2168056"/>
           </a:xfrm>
           <a:prstGeom prst="rect">
             <a:avLst/>
@@ -4951,7 +4921,7 @@
         </p:nvSpPr>
         <p:spPr>
           <a:xfrm>
-            <a:off x="5466735" y="4029739"/>
+            <a:off x="5783391" y="4140371"/>
             <a:ext cx="1210512" cy="967811"/>
           </a:xfrm>
           <a:prstGeom prst="rightArrow">
@@ -4991,6 +4961,35 @@
           </a:p>
         </p:txBody>
       </p:sp>
+      <p:pic>
+        <p:nvPicPr>
+          <p:cNvPr id="2" name="図 1"/>
+          <p:cNvPicPr>
+            <a:picLocks noChangeAspect="1"/>
+          </p:cNvPicPr>
+          <p:nvPr/>
+        </p:nvPicPr>
+        <p:blipFill rotWithShape="1">
+          <a:blip r:embed="rId4" cstate="print">
+            <a:extLst>
+              <a:ext uri="{28A0092B-C50C-407E-A947-70E740481C1C}">
+                <a14:useLocalDpi xmlns:a14="http://schemas.microsoft.com/office/drawing/2010/main" val="0"/>
+              </a:ext>
+            </a:extLst>
+          </a:blip>
+          <a:srcRect l="5285" t="3007" r="9936" b="9608"/>
+          <a:stretch/>
+        </p:blipFill>
+        <p:spPr>
+          <a:xfrm>
+            <a:off x="7413325" y="3625310"/>
+            <a:ext cx="3727429" cy="2225412"/>
+          </a:xfrm>
+          <a:prstGeom prst="rect">
+            <a:avLst/>
+          </a:prstGeom>
+        </p:spPr>
+      </p:pic>
     </p:spTree>
     <p:extLst>
       <p:ext uri="{BB962C8B-B14F-4D97-AF65-F5344CB8AC3E}">
@@ -5240,7 +5239,21 @@
                 <a:latin typeface="HGS創英角ﾎﾟｯﾌﾟ体" panose="040B0A00000000000000" pitchFamily="50" charset="-128"/>
                 <a:ea typeface="HGS創英角ﾎﾟｯﾌﾟ体" panose="040B0A00000000000000" pitchFamily="50" charset="-128"/>
               </a:rPr>
-              <a:t>した点</a:t>
+              <a:t>した</a:t>
+            </a:r>
+            <a:r>
+              <a:rPr lang="ja-JP" altLang="en-US" b="1" dirty="0" smtClean="0">
+                <a:latin typeface="HGS創英角ﾎﾟｯﾌﾟ体" panose="040B0A00000000000000" pitchFamily="50" charset="-128"/>
+                <a:ea typeface="HGS創英角ﾎﾟｯﾌﾟ体" panose="040B0A00000000000000" pitchFamily="50" charset="-128"/>
+              </a:rPr>
+              <a:t>点　</a:t>
+            </a:r>
+            <a:r>
+              <a:rPr lang="en-US" altLang="ja-JP" b="1" dirty="0" smtClean="0">
+                <a:latin typeface="HGS創英角ﾎﾟｯﾌﾟ体" panose="040B0A00000000000000" pitchFamily="50" charset="-128"/>
+                <a:ea typeface="HGS創英角ﾎﾟｯﾌﾟ体" panose="040B0A00000000000000" pitchFamily="50" charset="-128"/>
+              </a:rPr>
+              <a:t>1</a:t>
             </a:r>
             <a:endParaRPr kumimoji="1" lang="ja-JP" altLang="en-US" b="1" dirty="0">
               <a:latin typeface="HGS創英角ﾎﾟｯﾌﾟ体" panose="040B0A00000000000000" pitchFamily="50" charset="-128"/>
@@ -5312,6 +5325,76 @@
           </a:p>
         </p:txBody>
       </p:sp>
+      <p:pic>
+        <p:nvPicPr>
+          <p:cNvPr id="2" name="図 1"/>
+          <p:cNvPicPr>
+            <a:picLocks noChangeAspect="1"/>
+          </p:cNvPicPr>
+          <p:nvPr/>
+        </p:nvPicPr>
+        <p:blipFill>
+          <a:blip r:embed="rId3" cstate="print">
+            <a:clrChange>
+              <a:clrFrom>
+                <a:srgbClr val="FFFFFF"/>
+              </a:clrFrom>
+              <a:clrTo>
+                <a:srgbClr val="FFFFFF">
+                  <a:alpha val="0"/>
+                </a:srgbClr>
+              </a:clrTo>
+            </a:clrChange>
+            <a:extLst>
+              <a:ext uri="{28A0092B-C50C-407E-A947-70E740481C1C}">
+                <a14:useLocalDpi xmlns:a14="http://schemas.microsoft.com/office/drawing/2010/main" val="0"/>
+              </a:ext>
+            </a:extLst>
+          </a:blip>
+          <a:stretch>
+            <a:fillRect/>
+          </a:stretch>
+        </p:blipFill>
+        <p:spPr>
+          <a:xfrm>
+            <a:off x="7743785" y="4096165"/>
+            <a:ext cx="1976866" cy="1756785"/>
+          </a:xfrm>
+          <a:prstGeom prst="rect">
+            <a:avLst/>
+          </a:prstGeom>
+        </p:spPr>
+      </p:pic>
+      <p:pic>
+        <p:nvPicPr>
+          <p:cNvPr id="8" name="図 7"/>
+          <p:cNvPicPr>
+            <a:picLocks noChangeAspect="1"/>
+          </p:cNvPicPr>
+          <p:nvPr/>
+        </p:nvPicPr>
+        <p:blipFill>
+          <a:blip r:embed="rId4" cstate="print">
+            <a:extLst>
+              <a:ext uri="{28A0092B-C50C-407E-A947-70E740481C1C}">
+                <a14:useLocalDpi xmlns:a14="http://schemas.microsoft.com/office/drawing/2010/main" val="0"/>
+              </a:ext>
+            </a:extLst>
+          </a:blip>
+          <a:stretch>
+            <a:fillRect/>
+          </a:stretch>
+        </p:blipFill>
+        <p:spPr>
+          <a:xfrm>
+            <a:off x="2204836" y="3845339"/>
+            <a:ext cx="3901211" cy="2178633"/>
+          </a:xfrm>
+          <a:prstGeom prst="rect">
+            <a:avLst/>
+          </a:prstGeom>
+        </p:spPr>
+      </p:pic>
     </p:spTree>
     <p:extLst>
       <p:ext uri="{BB962C8B-B14F-4D97-AF65-F5344CB8AC3E}">
@@ -5432,7 +5515,21 @@
                 <a:latin typeface="HGS創英角ﾎﾟｯﾌﾟ体" panose="040B0A00000000000000" pitchFamily="50" charset="-128"/>
                 <a:ea typeface="HGS創英角ﾎﾟｯﾌﾟ体" panose="040B0A00000000000000" pitchFamily="50" charset="-128"/>
               </a:rPr>
-              <a:t>した点</a:t>
+              <a:t>した</a:t>
+            </a:r>
+            <a:r>
+              <a:rPr lang="ja-JP" altLang="en-US" b="1" dirty="0" smtClean="0">
+                <a:latin typeface="HGS創英角ﾎﾟｯﾌﾟ体" panose="040B0A00000000000000" pitchFamily="50" charset="-128"/>
+                <a:ea typeface="HGS創英角ﾎﾟｯﾌﾟ体" panose="040B0A00000000000000" pitchFamily="50" charset="-128"/>
+              </a:rPr>
+              <a:t>点　</a:t>
+            </a:r>
+            <a:r>
+              <a:rPr lang="en-US" altLang="ja-JP" b="1" dirty="0" smtClean="0">
+                <a:latin typeface="HGS創英角ﾎﾟｯﾌﾟ体" panose="040B0A00000000000000" pitchFamily="50" charset="-128"/>
+                <a:ea typeface="HGS創英角ﾎﾟｯﾌﾟ体" panose="040B0A00000000000000" pitchFamily="50" charset="-128"/>
+              </a:rPr>
+              <a:t>2</a:t>
             </a:r>
             <a:endParaRPr kumimoji="1" lang="ja-JP" altLang="en-US" b="1" dirty="0">
               <a:latin typeface="HGS創英角ﾎﾟｯﾌﾟ体" panose="040B0A00000000000000" pitchFamily="50" charset="-128"/>
@@ -5562,8 +5659,8 @@
         </p:blipFill>
         <p:spPr>
           <a:xfrm>
-            <a:off x="6921795" y="3761954"/>
-            <a:ext cx="3678865" cy="2178633"/>
+            <a:off x="6879646" y="3761954"/>
+            <a:ext cx="3901211" cy="2178633"/>
           </a:xfrm>
           <a:prstGeom prst="rect">
             <a:avLst/>
@@ -5697,9 +5794,22 @@
                 <a:latin typeface="HGS創英角ﾎﾟｯﾌﾟ体" panose="040B0A00000000000000" pitchFamily="50" charset="-128"/>
                 <a:ea typeface="HGS創英角ﾎﾟｯﾌﾟ体" panose="040B0A00000000000000" pitchFamily="50" charset="-128"/>
               </a:rPr>
-              <a:t>に楽しんでくれた。</a:t>
-            </a:r>
-            <a:endParaRPr kumimoji="1" lang="en-US" altLang="ja-JP" sz="3200" dirty="0">
+              <a:t>に楽しんでくれた</a:t>
+            </a:r>
+            <a:r>
+              <a:rPr lang="ja-JP" altLang="en-US" sz="3200" dirty="0" smtClean="0">
+                <a:latin typeface="HGS創英角ﾎﾟｯﾌﾟ体" panose="040B0A00000000000000" pitchFamily="50" charset="-128"/>
+                <a:ea typeface="HGS創英角ﾎﾟｯﾌﾟ体" panose="040B0A00000000000000" pitchFamily="50" charset="-128"/>
+              </a:rPr>
+              <a:t>。</a:t>
+            </a:r>
+            <a:endParaRPr lang="en-US" altLang="ja-JP" sz="3200" dirty="0" smtClean="0">
+              <a:latin typeface="HGS創英角ﾎﾟｯﾌﾟ体" panose="040B0A00000000000000" pitchFamily="50" charset="-128"/>
+              <a:ea typeface="HGS創英角ﾎﾟｯﾌﾟ体" panose="040B0A00000000000000" pitchFamily="50" charset="-128"/>
+            </a:endParaRPr>
+          </a:p>
+          <a:p>
+            <a:endParaRPr kumimoji="1" lang="en-US" altLang="ja-JP" sz="1100" dirty="0">
               <a:latin typeface="HGS創英角ﾎﾟｯﾌﾟ体" panose="040B0A00000000000000" pitchFamily="50" charset="-128"/>
               <a:ea typeface="HGS創英角ﾎﾟｯﾌﾟ体" panose="040B0A00000000000000" pitchFamily="50" charset="-128"/>
             </a:endParaRPr>
@@ -5819,8 +5929,8 @@
         </p:blipFill>
         <p:spPr>
           <a:xfrm>
-            <a:off x="8341675" y="4395549"/>
-            <a:ext cx="2404528" cy="1593439"/>
+            <a:off x="8264978" y="4502181"/>
+            <a:ext cx="2688555" cy="1781659"/>
           </a:xfrm>
           <a:prstGeom prst="rect">
             <a:avLst/>
@@ -5872,7 +5982,7 @@
         </p:blipFill>
         <p:spPr>
           <a:xfrm>
-            <a:off x="6052920" y="4307631"/>
+            <a:off x="6132198" y="4502181"/>
             <a:ext cx="1484653" cy="1769277"/>
           </a:xfrm>
           <a:prstGeom prst="rect">
@@ -6014,13 +6124,20 @@
           <a:lstStyle/>
           <a:p>
             <a:r>
-              <a:rPr kumimoji="1" lang="ja-JP" altLang="en-US" sz="3600" dirty="0" smtClean="0">
+              <a:rPr kumimoji="1" lang="ja-JP" altLang="en-US" sz="3200" dirty="0" smtClean="0">
                 <a:latin typeface="HGS創英角ﾎﾟｯﾌﾟ体" panose="040B0A00000000000000" pitchFamily="50" charset="-128"/>
                 <a:ea typeface="HGS創英角ﾎﾟｯﾌﾟ体" panose="040B0A00000000000000" pitchFamily="50" charset="-128"/>
               </a:rPr>
-              <a:t>ターゲットの年齢が想定していたより</a:t>
-            </a:r>
-            <a:endParaRPr kumimoji="1" lang="en-US" altLang="ja-JP" sz="3600" dirty="0" smtClean="0">
+              <a:t>ターゲットの年齢が想定して</a:t>
+            </a:r>
+            <a:r>
+              <a:rPr kumimoji="1" lang="ja-JP" altLang="en-US" sz="3200" dirty="0" smtClean="0">
+                <a:latin typeface="HGS創英角ﾎﾟｯﾌﾟ体" panose="040B0A00000000000000" pitchFamily="50" charset="-128"/>
+                <a:ea typeface="HGS創英角ﾎﾟｯﾌﾟ体" panose="040B0A00000000000000" pitchFamily="50" charset="-128"/>
+              </a:rPr>
+              <a:t>いたものより</a:t>
+            </a:r>
+            <a:endParaRPr kumimoji="1" lang="en-US" altLang="ja-JP" sz="3200" dirty="0" smtClean="0">
               <a:latin typeface="HGS創英角ﾎﾟｯﾌﾟ体" panose="040B0A00000000000000" pitchFamily="50" charset="-128"/>
               <a:ea typeface="HGS創英角ﾎﾟｯﾌﾟ体" panose="040B0A00000000000000" pitchFamily="50" charset="-128"/>
             </a:endParaRPr>
@@ -6030,36 +6147,53 @@
               <a:buNone/>
             </a:pPr>
             <a:r>
-              <a:rPr lang="ja-JP" altLang="en-US" sz="3600" dirty="0" smtClean="0">
+              <a:rPr lang="ja-JP" altLang="en-US" sz="3200" dirty="0">
                 <a:latin typeface="HGS創英角ﾎﾟｯﾌﾟ体" panose="040B0A00000000000000" pitchFamily="50" charset="-128"/>
                 <a:ea typeface="HGS創英角ﾎﾟｯﾌﾟ体" panose="040B0A00000000000000" pitchFamily="50" charset="-128"/>
               </a:rPr>
-              <a:t>  </a:t>
-            </a:r>
-            <a:r>
-              <a:rPr kumimoji="1" lang="ja-JP" altLang="en-US" sz="3600" dirty="0" smtClean="0">
+              <a:t>　</a:t>
+            </a:r>
+            <a:r>
+              <a:rPr kumimoji="1" lang="ja-JP" altLang="en-US" sz="3200" dirty="0" smtClean="0">
                 <a:latin typeface="HGS創英角ﾎﾟｯﾌﾟ体" panose="040B0A00000000000000" pitchFamily="50" charset="-128"/>
                 <a:ea typeface="HGS創英角ﾎﾟｯﾌﾟ体" panose="040B0A00000000000000" pitchFamily="50" charset="-128"/>
               </a:rPr>
-              <a:t>下回ってしまった。</a:t>
-            </a:r>
-            <a:endParaRPr kumimoji="1" lang="en-US" altLang="ja-JP" sz="3600" dirty="0" smtClean="0">
+              <a:t>下回って</a:t>
+            </a:r>
+            <a:r>
+              <a:rPr kumimoji="1" lang="ja-JP" altLang="en-US" sz="3200" dirty="0" smtClean="0">
+                <a:latin typeface="HGS創英角ﾎﾟｯﾌﾟ体" panose="040B0A00000000000000" pitchFamily="50" charset="-128"/>
+                <a:ea typeface="HGS創英角ﾎﾟｯﾌﾟ体" panose="040B0A00000000000000" pitchFamily="50" charset="-128"/>
+              </a:rPr>
+              <a:t>しまった</a:t>
+            </a:r>
+            <a:r>
+              <a:rPr kumimoji="1" lang="ja-JP" altLang="en-US" sz="3200" dirty="0" smtClean="0">
+                <a:latin typeface="HGS創英角ﾎﾟｯﾌﾟ体" panose="040B0A00000000000000" pitchFamily="50" charset="-128"/>
+                <a:ea typeface="HGS創英角ﾎﾟｯﾌﾟ体" panose="040B0A00000000000000" pitchFamily="50" charset="-128"/>
+              </a:rPr>
+              <a:t>。</a:t>
+            </a:r>
+            <a:endParaRPr kumimoji="1" lang="en-US" altLang="ja-JP" sz="3200" dirty="0" smtClean="0">
               <a:latin typeface="HGS創英角ﾎﾟｯﾌﾟ体" panose="040B0A00000000000000" pitchFamily="50" charset="-128"/>
               <a:ea typeface="HGS創英角ﾎﾟｯﾌﾟ体" panose="040B0A00000000000000" pitchFamily="50" charset="-128"/>
             </a:endParaRPr>
           </a:p>
           <a:p>
-            <a:endParaRPr lang="en-US" altLang="ja-JP" sz="3600" dirty="0"/>
-          </a:p>
-          <a:p>
-            <a:r>
-              <a:rPr kumimoji="1" lang="ja-JP" altLang="en-US" sz="3600" dirty="0" smtClean="0">
+            <a:pPr marL="0" indent="0">
+              <a:buNone/>
+            </a:pPr>
+            <a:endParaRPr lang="en-US" altLang="ja-JP" sz="1100" dirty="0"/>
+          </a:p>
+          <a:p>
+            <a:r>
+              <a:rPr kumimoji="1" lang="ja-JP" altLang="en-US" sz="3200" dirty="0" smtClean="0">
                 <a:latin typeface="HGS創英角ﾎﾟｯﾌﾟ体" panose="040B0A00000000000000" pitchFamily="50" charset="-128"/>
                 <a:ea typeface="HGS創英角ﾎﾟｯﾌﾟ体" panose="040B0A00000000000000" pitchFamily="50" charset="-128"/>
               </a:rPr>
               <a:t>マウスの操作がしづらいという子がいた</a:t>
             </a:r>
-            <a:endParaRPr kumimoji="1" lang="ja-JP" altLang="en-US" sz="3600" dirty="0">
+            <a:endParaRPr kumimoji="1" lang="ja-JP" altLang="en-US" sz="3200" dirty="0">
               <a:latin typeface="HGS創英角ﾎﾟｯﾌﾟ体" panose="040B0A00000000000000" pitchFamily="50" charset="-128"/>
               <a:ea typeface="HGS創英角ﾎﾟｯﾌﾟ体" panose="040B0A00000000000000" pitchFamily="50" charset="-128"/>
             </a:endParaRPr>
@@ -6200,7 +6334,7 @@
         </p:nvSpPr>
         <p:spPr>
           <a:xfrm>
-            <a:off x="1150984" y="851186"/>
+            <a:off x="1267942" y="1191428"/>
             <a:ext cx="10515600" cy="1325563"/>
           </a:xfrm>
         </p:spPr>
@@ -6209,13 +6343,56 @@
           <a:lstStyle/>
           <a:p>
             <a:r>
-              <a:rPr kumimoji="1" lang="ja-JP" altLang="en-US" b="1" dirty="0" smtClean="0">
+              <a:rPr lang="ja-JP" altLang="en-US" b="1" dirty="0" smtClean="0">
                 <a:latin typeface="HGS創英角ﾎﾟｯﾌﾟ体" panose="040B0A00000000000000" pitchFamily="50" charset="-128"/>
                 <a:ea typeface="HGS創英角ﾎﾟｯﾌﾟ体" panose="040B0A00000000000000" pitchFamily="50" charset="-128"/>
               </a:rPr>
-              <a:t>まとめ</a:t>
+              <a:t>まと</a:t>
+            </a:r>
+            <a:r>
+              <a:rPr lang="ja-JP" altLang="en-US" b="1" dirty="0">
+                <a:latin typeface="HGS創英角ﾎﾟｯﾌﾟ体" panose="040B0A00000000000000" pitchFamily="50" charset="-128"/>
+                <a:ea typeface="HGS創英角ﾎﾟｯﾌﾟ体" panose="040B0A00000000000000" pitchFamily="50" charset="-128"/>
+              </a:rPr>
+              <a:t>め</a:t>
             </a:r>
             <a:endParaRPr kumimoji="1" lang="ja-JP" altLang="en-US" b="1" dirty="0">
+              <a:latin typeface="HGS創英角ﾎﾟｯﾌﾟ体" panose="040B0A00000000000000" pitchFamily="50" charset="-128"/>
+              <a:ea typeface="HGS創英角ﾎﾟｯﾌﾟ体" panose="040B0A00000000000000" pitchFamily="50" charset="-128"/>
+            </a:endParaRPr>
+          </a:p>
+        </p:txBody>
+      </p:sp>
+      <p:sp>
+        <p:nvSpPr>
+          <p:cNvPr id="6" name="コンテンツ プレースホルダー 1"/>
+          <p:cNvSpPr>
+            <a:spLocks noGrp="1"/>
+          </p:cNvSpPr>
+          <p:nvPr>
+            <p:ph idx="1"/>
+          </p:nvPr>
+        </p:nvSpPr>
+        <p:spPr>
+          <a:xfrm>
+            <a:off x="1242237" y="2591169"/>
+            <a:ext cx="10515600" cy="4351338"/>
+          </a:xfrm>
+        </p:spPr>
+        <p:txBody>
+          <a:bodyPr>
+            <a:normAutofit/>
+          </a:bodyPr>
+          <a:lstStyle/>
+          <a:p>
+            <a:r>
+              <a:rPr lang="ja-JP" altLang="en-US" sz="3200" dirty="0" smtClean="0">
+                <a:latin typeface="HGS創英角ﾎﾟｯﾌﾟ体" panose="040B0A00000000000000" pitchFamily="50" charset="-128"/>
+                <a:ea typeface="HGS創英角ﾎﾟｯﾌﾟ体" panose="040B0A00000000000000" pitchFamily="50" charset="-128"/>
+              </a:rPr>
+              <a:t>ターゲットを</a:t>
+            </a:r>
+            <a:endParaRPr kumimoji="1" lang="en-US" altLang="ja-JP" sz="3200" dirty="0" smtClean="0">
               <a:latin typeface="HGS創英角ﾎﾟｯﾌﾟ体" panose="040B0A00000000000000" pitchFamily="50" charset="-128"/>
               <a:ea typeface="HGS創英角ﾎﾟｯﾌﾟ体" panose="040B0A00000000000000" pitchFamily="50" charset="-128"/>
             </a:endParaRPr>

--- a/よこありくんのプレゼンa.pptx
+++ b/よこありくんのプレゼンa.pptx
@@ -1208,16 +1208,72 @@
           <a:p>
             <a:r>
               <a:rPr kumimoji="1" lang="ja-JP" altLang="en-US" dirty="0" smtClean="0"/>
-              <a:t>まとめ　リフレクションで出た改善点をゲームに取り入れ</a:t>
+              <a:t>まとめ　</a:t>
             </a:r>
             <a:endParaRPr kumimoji="1" lang="en-US" altLang="ja-JP" dirty="0" smtClean="0"/>
           </a:p>
           <a:p>
             <a:r>
-              <a:rPr kumimoji="1" lang="ja-JP" altLang="en-US" smtClean="0"/>
+              <a:rPr kumimoji="1" lang="ja-JP" altLang="en-US" dirty="0" smtClean="0"/>
+              <a:t>予想通りの親子づれが多く、先ほども申しましたように</a:t>
+            </a:r>
+            <a:endParaRPr kumimoji="1" lang="en-US" altLang="ja-JP" dirty="0" smtClean="0"/>
+          </a:p>
+          <a:p>
+            <a:r>
+              <a:rPr kumimoji="1" lang="ja-JP" altLang="en-US" dirty="0" smtClean="0"/>
+              <a:t>協力する方や競争する方が多数でした。</a:t>
+            </a:r>
+            <a:endParaRPr kumimoji="1" lang="en-US" altLang="ja-JP" dirty="0" smtClean="0"/>
+          </a:p>
+          <a:p>
+            <a:endParaRPr kumimoji="1" lang="en-US" altLang="ja-JP" dirty="0" smtClean="0"/>
+          </a:p>
+          <a:p>
+            <a:r>
+              <a:rPr kumimoji="1" lang="ja-JP" altLang="en-US" dirty="0" smtClean="0"/>
+              <a:t>ですが、お子さんの年齢層が思っていたより低く操作が</a:t>
+            </a:r>
+            <a:endParaRPr kumimoji="1" lang="en-US" altLang="ja-JP" dirty="0" smtClean="0"/>
+          </a:p>
+          <a:p>
+            <a:r>
+              <a:rPr kumimoji="1" lang="ja-JP" altLang="en-US" dirty="0" smtClean="0"/>
+              <a:t>しづらいという子供がいたので、</a:t>
+            </a:r>
+            <a:endParaRPr kumimoji="1" lang="en-US" altLang="ja-JP" dirty="0" smtClean="0"/>
+          </a:p>
+          <a:p>
+            <a:r>
+              <a:rPr kumimoji="1" lang="ja-JP" altLang="en-US" dirty="0" smtClean="0"/>
+              <a:t>もう少しターゲットの見積もりを深くする。</a:t>
+            </a:r>
+            <a:endParaRPr kumimoji="1" lang="en-US" altLang="ja-JP" dirty="0" smtClean="0"/>
+          </a:p>
+          <a:p>
+            <a:r>
+              <a:rPr kumimoji="1" lang="ja-JP" altLang="en-US" dirty="0" smtClean="0"/>
+              <a:t>年代にあった操作に変更する。</a:t>
+            </a:r>
+            <a:endParaRPr kumimoji="1" lang="en-US" altLang="ja-JP" dirty="0" smtClean="0"/>
+          </a:p>
+          <a:p>
+            <a:r>
+              <a:rPr kumimoji="1" lang="ja-JP" altLang="en-US" dirty="0" smtClean="0"/>
+              <a:t>リフレクション</a:t>
+            </a:r>
+            <a:r>
+              <a:rPr kumimoji="1" lang="ja-JP" altLang="en-US" dirty="0" smtClean="0"/>
+              <a:t>で出た改善点をゲームに取り入れ</a:t>
+            </a:r>
+            <a:endParaRPr kumimoji="1" lang="en-US" altLang="ja-JP" dirty="0" smtClean="0"/>
+          </a:p>
+          <a:p>
+            <a:r>
+              <a:rPr kumimoji="1" lang="ja-JP" altLang="en-US" dirty="0" smtClean="0"/>
               <a:t>タッチ操作のできるようにしたいです。</a:t>
             </a:r>
-            <a:endParaRPr kumimoji="1" lang="en-US" altLang="ja-JP" smtClean="0"/>
+            <a:endParaRPr kumimoji="1" lang="en-US" altLang="ja-JP" dirty="0" smtClean="0"/>
           </a:p>
         </p:txBody>
       </p:sp>
@@ -5239,14 +5295,7 @@
                 <a:latin typeface="HGS創英角ﾎﾟｯﾌﾟ体" panose="040B0A00000000000000" pitchFamily="50" charset="-128"/>
                 <a:ea typeface="HGS創英角ﾎﾟｯﾌﾟ体" panose="040B0A00000000000000" pitchFamily="50" charset="-128"/>
               </a:rPr>
-              <a:t>した</a:t>
-            </a:r>
-            <a:r>
-              <a:rPr lang="ja-JP" altLang="en-US" b="1" dirty="0" smtClean="0">
-                <a:latin typeface="HGS創英角ﾎﾟｯﾌﾟ体" panose="040B0A00000000000000" pitchFamily="50" charset="-128"/>
-                <a:ea typeface="HGS創英角ﾎﾟｯﾌﾟ体" panose="040B0A00000000000000" pitchFamily="50" charset="-128"/>
-              </a:rPr>
-              <a:t>点　</a:t>
+              <a:t>した点　</a:t>
             </a:r>
             <a:r>
               <a:rPr lang="en-US" altLang="ja-JP" b="1" dirty="0" smtClean="0">
@@ -5515,14 +5564,7 @@
                 <a:latin typeface="HGS創英角ﾎﾟｯﾌﾟ体" panose="040B0A00000000000000" pitchFamily="50" charset="-128"/>
                 <a:ea typeface="HGS創英角ﾎﾟｯﾌﾟ体" panose="040B0A00000000000000" pitchFamily="50" charset="-128"/>
               </a:rPr>
-              <a:t>した</a:t>
-            </a:r>
-            <a:r>
-              <a:rPr lang="ja-JP" altLang="en-US" b="1" dirty="0" smtClean="0">
-                <a:latin typeface="HGS創英角ﾎﾟｯﾌﾟ体" panose="040B0A00000000000000" pitchFamily="50" charset="-128"/>
-                <a:ea typeface="HGS創英角ﾎﾟｯﾌﾟ体" panose="040B0A00000000000000" pitchFamily="50" charset="-128"/>
-              </a:rPr>
-              <a:t>点　</a:t>
+              <a:t>した点　</a:t>
             </a:r>
             <a:r>
               <a:rPr lang="en-US" altLang="ja-JP" b="1" dirty="0" smtClean="0">
@@ -5794,14 +5836,7 @@
                 <a:latin typeface="HGS創英角ﾎﾟｯﾌﾟ体" panose="040B0A00000000000000" pitchFamily="50" charset="-128"/>
                 <a:ea typeface="HGS創英角ﾎﾟｯﾌﾟ体" panose="040B0A00000000000000" pitchFamily="50" charset="-128"/>
               </a:rPr>
-              <a:t>に楽しんでくれた</a:t>
-            </a:r>
-            <a:r>
-              <a:rPr lang="ja-JP" altLang="en-US" sz="3200" dirty="0" smtClean="0">
-                <a:latin typeface="HGS創英角ﾎﾟｯﾌﾟ体" panose="040B0A00000000000000" pitchFamily="50" charset="-128"/>
-                <a:ea typeface="HGS創英角ﾎﾟｯﾌﾟ体" panose="040B0A00000000000000" pitchFamily="50" charset="-128"/>
-              </a:rPr>
-              <a:t>。</a:t>
+              <a:t>に楽しんでくれた。</a:t>
             </a:r>
             <a:endParaRPr lang="en-US" altLang="ja-JP" sz="3200" dirty="0" smtClean="0">
               <a:latin typeface="HGS創英角ﾎﾟｯﾌﾟ体" panose="040B0A00000000000000" pitchFamily="50" charset="-128"/>
@@ -6128,14 +6163,7 @@
                 <a:latin typeface="HGS創英角ﾎﾟｯﾌﾟ体" panose="040B0A00000000000000" pitchFamily="50" charset="-128"/>
                 <a:ea typeface="HGS創英角ﾎﾟｯﾌﾟ体" panose="040B0A00000000000000" pitchFamily="50" charset="-128"/>
               </a:rPr>
-              <a:t>ターゲットの年齢が想定して</a:t>
-            </a:r>
-            <a:r>
-              <a:rPr kumimoji="1" lang="ja-JP" altLang="en-US" sz="3200" dirty="0" smtClean="0">
-                <a:latin typeface="HGS創英角ﾎﾟｯﾌﾟ体" panose="040B0A00000000000000" pitchFamily="50" charset="-128"/>
-                <a:ea typeface="HGS創英角ﾎﾟｯﾌﾟ体" panose="040B0A00000000000000" pitchFamily="50" charset="-128"/>
-              </a:rPr>
-              <a:t>いたものより</a:t>
+              <a:t>ターゲットの年齢が想定していたものより</a:t>
             </a:r>
             <a:endParaRPr kumimoji="1" lang="en-US" altLang="ja-JP" sz="3200" dirty="0" smtClean="0">
               <a:latin typeface="HGS創英角ﾎﾟｯﾌﾟ体" panose="040B0A00000000000000" pitchFamily="50" charset="-128"/>
@@ -6158,21 +6186,7 @@
                 <a:latin typeface="HGS創英角ﾎﾟｯﾌﾟ体" panose="040B0A00000000000000" pitchFamily="50" charset="-128"/>
                 <a:ea typeface="HGS創英角ﾎﾟｯﾌﾟ体" panose="040B0A00000000000000" pitchFamily="50" charset="-128"/>
               </a:rPr>
-              <a:t>下回って</a:t>
-            </a:r>
-            <a:r>
-              <a:rPr kumimoji="1" lang="ja-JP" altLang="en-US" sz="3200" dirty="0" smtClean="0">
-                <a:latin typeface="HGS創英角ﾎﾟｯﾌﾟ体" panose="040B0A00000000000000" pitchFamily="50" charset="-128"/>
-                <a:ea typeface="HGS創英角ﾎﾟｯﾌﾟ体" panose="040B0A00000000000000" pitchFamily="50" charset="-128"/>
-              </a:rPr>
-              <a:t>しまった</a:t>
-            </a:r>
-            <a:r>
-              <a:rPr kumimoji="1" lang="ja-JP" altLang="en-US" sz="3200" dirty="0" smtClean="0">
-                <a:latin typeface="HGS創英角ﾎﾟｯﾌﾟ体" panose="040B0A00000000000000" pitchFamily="50" charset="-128"/>
-                <a:ea typeface="HGS創英角ﾎﾟｯﾌﾟ体" panose="040B0A00000000000000" pitchFamily="50" charset="-128"/>
-              </a:rPr>
-              <a:t>。</a:t>
+              <a:t>下回ってしまった。</a:t>
             </a:r>
             <a:endParaRPr kumimoji="1" lang="en-US" altLang="ja-JP" sz="3200" dirty="0" smtClean="0">
               <a:latin typeface="HGS創英角ﾎﾟｯﾌﾟ体" panose="040B0A00000000000000" pitchFamily="50" charset="-128"/>
@@ -6386,13 +6400,61 @@
           <a:lstStyle/>
           <a:p>
             <a:r>
+              <a:rPr lang="ja-JP" altLang="en-US" sz="3200" dirty="0">
+                <a:latin typeface="HGS創英角ﾎﾟｯﾌﾟ体" panose="040B0A00000000000000" pitchFamily="50" charset="-128"/>
+                <a:ea typeface="HGS創英角ﾎﾟｯﾌﾟ体" panose="040B0A00000000000000" pitchFamily="50" charset="-128"/>
+              </a:rPr>
+              <a:t>親子で楽しむことが出来た。</a:t>
+            </a:r>
+            <a:endParaRPr lang="en-US" altLang="ja-JP" sz="3200" dirty="0">
+              <a:latin typeface="HGS創英角ﾎﾟｯﾌﾟ体" panose="040B0A00000000000000" pitchFamily="50" charset="-128"/>
+              <a:ea typeface="HGS創英角ﾎﾟｯﾌﾟ体" panose="040B0A00000000000000" pitchFamily="50" charset="-128"/>
+            </a:endParaRPr>
+          </a:p>
+          <a:p>
+            <a:endParaRPr lang="en-US" altLang="ja-JP" sz="3200" dirty="0" smtClean="0">
+              <a:latin typeface="HGS創英角ﾎﾟｯﾌﾟ体" panose="040B0A00000000000000" pitchFamily="50" charset="-128"/>
+              <a:ea typeface="HGS創英角ﾎﾟｯﾌﾟ体" panose="040B0A00000000000000" pitchFamily="50" charset="-128"/>
+            </a:endParaRPr>
+          </a:p>
+          <a:p>
+            <a:r>
               <a:rPr lang="ja-JP" altLang="en-US" sz="3200" dirty="0" smtClean="0">
                 <a:latin typeface="HGS創英角ﾎﾟｯﾌﾟ体" panose="040B0A00000000000000" pitchFamily="50" charset="-128"/>
                 <a:ea typeface="HGS創英角ﾎﾟｯﾌﾟ体" panose="040B0A00000000000000" pitchFamily="50" charset="-128"/>
               </a:rPr>
-              <a:t>ターゲットを</a:t>
-            </a:r>
-            <a:endParaRPr kumimoji="1" lang="en-US" altLang="ja-JP" sz="3200" dirty="0" smtClean="0">
+              <a:t>ターゲットの見積もりと操作</a:t>
+            </a:r>
+            <a:endParaRPr lang="en-US" altLang="ja-JP" sz="3200" dirty="0" smtClean="0">
+              <a:latin typeface="HGS創英角ﾎﾟｯﾌﾟ体" panose="040B0A00000000000000" pitchFamily="50" charset="-128"/>
+              <a:ea typeface="HGS創英角ﾎﾟｯﾌﾟ体" panose="040B0A00000000000000" pitchFamily="50" charset="-128"/>
+            </a:endParaRPr>
+          </a:p>
+          <a:p>
+            <a:pPr marL="0" indent="0">
+              <a:buNone/>
+            </a:pPr>
+            <a:r>
+              <a:rPr lang="ja-JP" altLang="en-US" sz="3200" dirty="0" smtClean="0">
+                <a:latin typeface="HGS創英角ﾎﾟｯﾌﾟ体" panose="040B0A00000000000000" pitchFamily="50" charset="-128"/>
+                <a:ea typeface="HGS創英角ﾎﾟｯﾌﾟ体" panose="040B0A00000000000000" pitchFamily="50" charset="-128"/>
+              </a:rPr>
+              <a:t>　　　　　　マウス</a:t>
+            </a:r>
+            <a:r>
+              <a:rPr lang="ja-JP" altLang="en-US" sz="3200" dirty="0">
+                <a:latin typeface="HGS創英角ﾎﾟｯﾌﾟ体" panose="040B0A00000000000000" pitchFamily="50" charset="-128"/>
+                <a:ea typeface="HGS創英角ﾎﾟｯﾌﾟ体" panose="040B0A00000000000000" pitchFamily="50" charset="-128"/>
+              </a:rPr>
+              <a:t>操作→タッチ操作</a:t>
+            </a:r>
+            <a:endParaRPr lang="en-US" altLang="ja-JP" sz="3200" dirty="0">
+              <a:latin typeface="HGS創英角ﾎﾟｯﾌﾟ体" panose="040B0A00000000000000" pitchFamily="50" charset="-128"/>
+              <a:ea typeface="HGS創英角ﾎﾟｯﾌﾟ体" panose="040B0A00000000000000" pitchFamily="50" charset="-128"/>
+            </a:endParaRPr>
+          </a:p>
+          <a:p>
+            <a:endParaRPr lang="en-US" altLang="ja-JP" sz="3200" dirty="0">
               <a:latin typeface="HGS創英角ﾎﾟｯﾌﾟ体" panose="040B0A00000000000000" pitchFamily="50" charset="-128"/>
               <a:ea typeface="HGS創英角ﾎﾟｯﾌﾟ体" panose="040B0A00000000000000" pitchFamily="50" charset="-128"/>
             </a:endParaRPr>

--- a/よこありくんのプレゼンa.pptx
+++ b/よこありくんのプレゼンa.pptx
@@ -1208,7 +1208,11 @@
           <a:p>
             <a:r>
               <a:rPr kumimoji="1" lang="ja-JP" altLang="en-US" dirty="0" smtClean="0"/>
-              <a:t>まとめ　</a:t>
+              <a:t>まとめ</a:t>
+            </a:r>
+            <a:r>
+              <a:rPr kumimoji="1" lang="ja-JP" altLang="en-US" smtClean="0"/>
+              <a:t>　</a:t>
             </a:r>
             <a:endParaRPr kumimoji="1" lang="en-US" altLang="ja-JP" dirty="0" smtClean="0"/>
           </a:p>
@@ -1260,11 +1264,7 @@
           <a:p>
             <a:r>
               <a:rPr kumimoji="1" lang="ja-JP" altLang="en-US" dirty="0" smtClean="0"/>
-              <a:t>リフレクション</a:t>
-            </a:r>
-            <a:r>
-              <a:rPr kumimoji="1" lang="ja-JP" altLang="en-US" dirty="0" smtClean="0"/>
-              <a:t>で出た改善点をゲームに取り入れ</a:t>
+              <a:t>リフレクションで出た改善点をゲームに取り入れ</a:t>
             </a:r>
             <a:endParaRPr kumimoji="1" lang="en-US" altLang="ja-JP" dirty="0" smtClean="0"/>
           </a:p>
